--- a/Trabajo_Final/Exposición 2/RECONOCIMIENTO FACIAL 2_0.pptx
+++ b/Trabajo_Final/Exposición 2/RECONOCIMIENTO FACIAL 2_0.pptx
@@ -23320,8 +23320,8 @@
         </p:nvSpPr>
         <p:spPr>
           <a:xfrm>
-            <a:off x="1484310" y="2666999"/>
-            <a:ext cx="10018713" cy="3124201"/>
+            <a:off x="1414335" y="1866899"/>
+            <a:ext cx="10018800" cy="3124200"/>
           </a:xfrm>
           <a:prstGeom prst="rect">
             <a:avLst/>
@@ -23361,23 +23361,11 @@
                 <a:cs typeface="Corbel"/>
                 <a:sym typeface="Corbel"/>
               </a:rPr>
-              <a:t>Cuando experimentamos una emoción repercute en la manera de actuar y en la forma de relacionarnos con lo que nos rodea; la industria de la mercadotecnia ha revolucionado la forma de crear publicidad; ahora, por medio de las emociones se define </a:t>
+              <a:t>Cuando experimentamos una emoción repercute en la manera de actuar y en la forma de relacionarnos con lo que nos rodea; la industria de la mercadotecnia ha revolucionado la forma de crear publicidad</a:t>
             </a:r>
             <a:r>
               <a:rPr lang="es-ES"/>
-              <a:t>qué</a:t>
-            </a:r>
-            <a:r>
-              <a:rPr b="0" i="0" lang="es-ES" sz="2400" u="none" cap="none" strike="noStrike">
-                <a:solidFill>
-                  <a:schemeClr val="dk1"/>
-                </a:solidFill>
-                <a:latin typeface="Corbel"/>
-                <a:ea typeface="Corbel"/>
-                <a:cs typeface="Corbel"/>
-                <a:sym typeface="Corbel"/>
-              </a:rPr>
-              <a:t> imágenes, colores y objetos utilizar  para generar identidad del un producto y lograr grandes ventas.</a:t>
+              <a:t>.</a:t>
             </a:r>
             <a:endParaRPr/>
           </a:p>
@@ -23552,7 +23540,7 @@
             </a:r>
             <a:r>
               <a:rPr lang="es-ES"/>
-              <a:t> etiquetadas provenientes de una cámara.</a:t>
+              <a:t> etiquetadas provenientes de una cámara. </a:t>
             </a:r>
             <a:endParaRPr/>
           </a:p>
@@ -23662,8 +23650,8 @@
         </p:nvSpPr>
         <p:spPr>
           <a:xfrm>
-            <a:off x="1487487" y="2366553"/>
-            <a:ext cx="10018713" cy="3124201"/>
+            <a:off x="1487487" y="1744528"/>
+            <a:ext cx="10018800" cy="3124200"/>
           </a:xfrm>
           <a:prstGeom prst="rect">
             <a:avLst/>
@@ -23679,7 +23667,25 @@
           </a:bodyPr>
           <a:lstStyle/>
           <a:p>
-            <a:pPr indent="-285750" lvl="0" marL="285750" marR="0" rtl="0" algn="l">
+            <a:pPr indent="0" lvl="0" marL="0" marR="0" rtl="0" algn="l">
+              <a:lnSpc>
+                <a:spcPct val="90000"/>
+              </a:lnSpc>
+              <a:spcBef>
+                <a:spcPts val="1080"/>
+              </a:spcBef>
+              <a:spcAft>
+                <a:spcPts val="0"/>
+              </a:spcAft>
+              <a:buNone/>
+            </a:pPr>
+            <a:r>
+              <a:t/>
+            </a:r>
+            <a:endParaRPr/>
+          </a:p>
+          <a:p>
+            <a:pPr indent="-285750" lvl="0" marL="285750" marR="0" rtl="0" algn="just">
               <a:lnSpc>
                 <a:spcPct val="90000"/>
               </a:lnSpc>
@@ -23714,7 +23720,23 @@
                 <a:cs typeface="Corbel"/>
                 <a:sym typeface="Corbel"/>
               </a:rPr>
-              <a:t> de las técnicas de Inteligencia Computacional ofrece mejores resultados para la implementación del problema utilizando la </a:t>
+              <a:t> de las técnicas de Inteligencia Computacional ofrece mejores resultados, tanto para la obtenci</a:t>
+            </a:r>
+            <a:r>
+              <a:rPr lang="es-ES"/>
+              <a:t>ón de las características descriptivas de los datos como </a:t>
+            </a:r>
+            <a:r>
+              <a:rPr b="0" i="0" lang="es-ES" sz="2400" u="none" cap="none" strike="noStrike">
+                <a:solidFill>
+                  <a:schemeClr val="dk1"/>
+                </a:solidFill>
+                <a:latin typeface="Corbel"/>
+                <a:ea typeface="Corbel"/>
+                <a:cs typeface="Corbel"/>
+                <a:sym typeface="Corbel"/>
+              </a:rPr>
+              <a:t>para la implementación del problema utilizando la </a:t>
             </a:r>
             <a:r>
               <a:rPr b="0" i="0" lang="es-ES" sz="2400" u="sng" cap="none" strike="noStrike">
@@ -23744,7 +23766,7 @@
             <a:endParaRPr/>
           </a:p>
           <a:p>
-            <a:pPr indent="-285750" lvl="0" marL="285750" marR="0" rtl="0" algn="l">
+            <a:pPr indent="-285750" lvl="0" marL="285750" marR="0" rtl="0" algn="just">
               <a:lnSpc>
                 <a:spcPct val="90000"/>
               </a:lnSpc>
@@ -23762,6 +23784,10 @@
               <a:buChar char="•"/>
             </a:pPr>
             <a:r>
+              <a:rPr lang="es-ES"/>
+              <a:t>E</a:t>
+            </a:r>
+            <a:r>
               <a:rPr b="0" i="0" lang="es-ES" sz="2400" u="none" cap="none" strike="noStrike">
                 <a:solidFill>
                   <a:schemeClr val="dk1"/>
@@ -23771,11 +23797,11 @@
                 <a:cs typeface="Corbel"/>
                 <a:sym typeface="Corbel"/>
               </a:rPr>
-              <a:t>Implementar el Sistema de reconocimiento facial de emociones y evaluar  desempeño de</a:t>
+              <a:t>valuar  desempeño d</a:t>
             </a:r>
             <a:r>
               <a:rPr lang="es-ES"/>
-              <a:t> dicho </a:t>
+              <a:t>el </a:t>
             </a:r>
             <a:r>
               <a:rPr b="0" i="0" lang="es-ES" sz="2400" u="none" cap="none" strike="noStrike">
@@ -23787,7 +23813,19 @@
                 <a:cs typeface="Corbel"/>
                 <a:sym typeface="Corbel"/>
               </a:rPr>
-              <a:t>sistema ante distintas entradas. </a:t>
+              <a:t>sistem</a:t>
+            </a:r>
+            <a:r>
+              <a:rPr b="0" i="0" lang="es-ES" sz="2400" u="none" cap="none" strike="noStrike">
+                <a:solidFill>
+                  <a:schemeClr val="dk1"/>
+                </a:solidFill>
+                <a:latin typeface="Corbel"/>
+                <a:ea typeface="Corbel"/>
+                <a:cs typeface="Corbel"/>
+                <a:sym typeface="Corbel"/>
+              </a:rPr>
+              <a:t>a ante distintas entradas. </a:t>
             </a:r>
             <a:endParaRPr b="0" i="0" sz="2400" u="none" cap="none" strike="noStrike">
               <a:solidFill>
@@ -23800,7 +23838,7 @@
             </a:endParaRPr>
           </a:p>
           <a:p>
-            <a:pPr indent="-285750" lvl="0" marL="285750" marR="0" rtl="0" algn="l">
+            <a:pPr indent="-285750" lvl="0" marL="285750" marR="0" rtl="0" algn="just">
               <a:lnSpc>
                 <a:spcPct val="90000"/>
               </a:lnSpc>
@@ -23860,7 +23898,7 @@
         </p:nvSpPr>
         <p:spPr>
           <a:xfrm>
-            <a:off x="1484311" y="685800"/>
+            <a:off x="1343361" y="-361800"/>
             <a:ext cx="10018800" cy="1752600"/>
           </a:xfrm>
           <a:prstGeom prst="rect">
@@ -23897,7 +23935,7 @@
           <p:nvPr/>
         </p:nvGraphicFramePr>
         <p:xfrm>
-          <a:off x="1350200" y="2698100"/>
+          <a:off x="0" y="1390800"/>
           <a:ext cx="3000000" cy="3000000"/>
         </p:xfrm>
         <a:graphic>
@@ -23905,16 +23943,17 @@
             <a:tbl>
               <a:tblPr>
                 <a:noFill/>
-                <a:tableStyleId>{2DCB01B1-85F4-4D91-B379-95EF32982EED}</a:tableStyleId>
+                <a:tableStyleId>{B1C713BA-8E70-4598-AE90-A8B15C3D3F9D}</a:tableStyleId>
               </a:tblPr>
               <a:tblGrid>
-                <a:gridCol w="2057400"/>
-                <a:gridCol w="2057400"/>
-                <a:gridCol w="2057400"/>
-                <a:gridCol w="2057400"/>
-                <a:gridCol w="2057400"/>
+                <a:gridCol w="2676525"/>
+                <a:gridCol w="1990725"/>
+                <a:gridCol w="2286000"/>
+                <a:gridCol w="1609725"/>
+                <a:gridCol w="1895475"/>
+                <a:gridCol w="1733550"/>
               </a:tblGrid>
-              <a:tr h="381000">
+              <a:tr h="219075">
                 <a:tc>
                   <a:txBody>
                     <a:bodyPr>
@@ -23923,6 +23962,9 @@
                     <a:lstStyle/>
                     <a:p>
                       <a:pPr indent="0" lvl="0" marL="0" rtl="0" algn="ctr">
+                        <a:lnSpc>
+                          <a:spcPct val="115000"/>
+                        </a:lnSpc>
                         <a:spcBef>
                           <a:spcPts val="0"/>
                         </a:spcBef>
@@ -23932,14 +23974,1631 @@
                         <a:buNone/>
                       </a:pPr>
                       <a:r>
-                        <a:rPr b="1" lang="es-ES" sz="2000"/>
+                        <a:rPr lang="es-ES" sz="1200"/>
                         <a:t>Artículo</a:t>
                       </a:r>
-                      <a:endParaRPr b="1" sz="2000"/>
+                      <a:endParaRPr sz="1200"/>
                     </a:p>
                   </a:txBody>
-                  <a:tcPr marT="91425" marB="91425" marR="91425" marL="91425" anchor="ctr"/>
+                  <a:tcPr marT="19050" marB="19050" marR="28575" marL="28575" anchor="ctr">
+                    <a:lnL cap="flat" cmpd="sng" w="9525">
+                      <a:solidFill>
+                        <a:srgbClr val="000000"/>
+                      </a:solidFill>
+                      <a:prstDash val="solid"/>
+                      <a:round/>
+                      <a:headEnd len="sm" w="sm" type="none"/>
+                      <a:tailEnd len="sm" w="sm" type="none"/>
+                    </a:lnL>
+                    <a:lnR cap="flat" cmpd="sng" w="9525">
+                      <a:solidFill>
+                        <a:srgbClr val="000000"/>
+                      </a:solidFill>
+                      <a:prstDash val="solid"/>
+                      <a:round/>
+                      <a:headEnd len="sm" w="sm" type="none"/>
+                      <a:tailEnd len="sm" w="sm" type="none"/>
+                    </a:lnR>
+                    <a:lnT cap="flat" cmpd="sng" w="9525">
+                      <a:solidFill>
+                        <a:srgbClr val="000000"/>
+                      </a:solidFill>
+                      <a:prstDash val="solid"/>
+                      <a:round/>
+                      <a:headEnd len="sm" w="sm" type="none"/>
+                      <a:tailEnd len="sm" w="sm" type="none"/>
+                    </a:lnT>
+                    <a:lnB cap="flat" cmpd="sng" w="9525">
+                      <a:solidFill>
+                        <a:srgbClr val="000000"/>
+                      </a:solidFill>
+                      <a:prstDash val="solid"/>
+                      <a:round/>
+                      <a:headEnd len="sm" w="sm" type="none"/>
+                      <a:tailEnd len="sm" w="sm" type="none"/>
+                    </a:lnB>
+                  </a:tcPr>
                 </a:tc>
+                <a:tc>
+                  <a:txBody>
+                    <a:bodyPr>
+                      <a:noAutofit/>
+                    </a:bodyPr>
+                    <a:lstStyle/>
+                    <a:p>
+                      <a:pPr indent="0" lvl="0" marL="0" rtl="0" algn="ctr">
+                        <a:lnSpc>
+                          <a:spcPct val="115000"/>
+                        </a:lnSpc>
+                        <a:spcBef>
+                          <a:spcPts val="0"/>
+                        </a:spcBef>
+                        <a:spcAft>
+                          <a:spcPts val="0"/>
+                        </a:spcAft>
+                        <a:buNone/>
+                      </a:pPr>
+                      <a:r>
+                        <a:rPr lang="es-ES" sz="1200"/>
+                        <a:t>Autor(es)</a:t>
+                      </a:r>
+                      <a:endParaRPr sz="1200"/>
+                    </a:p>
+                  </a:txBody>
+                  <a:tcPr marT="19050" marB="19050" marR="28575" marL="28575" anchor="ctr">
+                    <a:lnL cap="flat" cmpd="sng" w="9525">
+                      <a:solidFill>
+                        <a:srgbClr val="000000"/>
+                      </a:solidFill>
+                      <a:prstDash val="solid"/>
+                      <a:round/>
+                      <a:headEnd len="sm" w="sm" type="none"/>
+                      <a:tailEnd len="sm" w="sm" type="none"/>
+                    </a:lnL>
+                    <a:lnR cap="flat" cmpd="sng" w="9525">
+                      <a:solidFill>
+                        <a:srgbClr val="000000"/>
+                      </a:solidFill>
+                      <a:prstDash val="solid"/>
+                      <a:round/>
+                      <a:headEnd len="sm" w="sm" type="none"/>
+                      <a:tailEnd len="sm" w="sm" type="none"/>
+                    </a:lnR>
+                    <a:lnT cap="flat" cmpd="sng" w="9525">
+                      <a:solidFill>
+                        <a:srgbClr val="000000"/>
+                      </a:solidFill>
+                      <a:prstDash val="solid"/>
+                      <a:round/>
+                      <a:headEnd len="sm" w="sm" type="none"/>
+                      <a:tailEnd len="sm" w="sm" type="none"/>
+                    </a:lnT>
+                    <a:lnB cap="flat" cmpd="sng" w="9525">
+                      <a:solidFill>
+                        <a:srgbClr val="000000"/>
+                      </a:solidFill>
+                      <a:prstDash val="solid"/>
+                      <a:round/>
+                      <a:headEnd len="sm" w="sm" type="none"/>
+                      <a:tailEnd len="sm" w="sm" type="none"/>
+                    </a:lnB>
+                  </a:tcPr>
+                </a:tc>
+                <a:tc>
+                  <a:txBody>
+                    <a:bodyPr>
+                      <a:noAutofit/>
+                    </a:bodyPr>
+                    <a:lstStyle/>
+                    <a:p>
+                      <a:pPr indent="0" lvl="0" marL="0" rtl="0" algn="ctr">
+                        <a:lnSpc>
+                          <a:spcPct val="115000"/>
+                        </a:lnSpc>
+                        <a:spcBef>
+                          <a:spcPts val="0"/>
+                        </a:spcBef>
+                        <a:spcAft>
+                          <a:spcPts val="0"/>
+                        </a:spcAft>
+                        <a:buNone/>
+                      </a:pPr>
+                      <a:r>
+                        <a:rPr lang="es-ES" sz="1200"/>
+                        <a:t>Método Utilizado</a:t>
+                      </a:r>
+                      <a:endParaRPr sz="1200"/>
+                    </a:p>
+                  </a:txBody>
+                  <a:tcPr marT="19050" marB="19050" marR="28575" marL="28575" anchor="ctr">
+                    <a:lnL cap="flat" cmpd="sng" w="9525">
+                      <a:solidFill>
+                        <a:srgbClr val="000000"/>
+                      </a:solidFill>
+                      <a:prstDash val="solid"/>
+                      <a:round/>
+                      <a:headEnd len="sm" w="sm" type="none"/>
+                      <a:tailEnd len="sm" w="sm" type="none"/>
+                    </a:lnL>
+                    <a:lnR cap="flat" cmpd="sng" w="9525">
+                      <a:solidFill>
+                        <a:srgbClr val="000000"/>
+                      </a:solidFill>
+                      <a:prstDash val="solid"/>
+                      <a:round/>
+                      <a:headEnd len="sm" w="sm" type="none"/>
+                      <a:tailEnd len="sm" w="sm" type="none"/>
+                    </a:lnR>
+                    <a:lnT cap="flat" cmpd="sng" w="9525">
+                      <a:solidFill>
+                        <a:srgbClr val="000000"/>
+                      </a:solidFill>
+                      <a:prstDash val="solid"/>
+                      <a:round/>
+                      <a:headEnd len="sm" w="sm" type="none"/>
+                      <a:tailEnd len="sm" w="sm" type="none"/>
+                    </a:lnT>
+                    <a:lnB cap="flat" cmpd="sng" w="9525">
+                      <a:solidFill>
+                        <a:srgbClr val="000000"/>
+                      </a:solidFill>
+                      <a:prstDash val="solid"/>
+                      <a:round/>
+                      <a:headEnd len="sm" w="sm" type="none"/>
+                      <a:tailEnd len="sm" w="sm" type="none"/>
+                    </a:lnB>
+                  </a:tcPr>
+                </a:tc>
+                <a:tc>
+                  <a:txBody>
+                    <a:bodyPr>
+                      <a:noAutofit/>
+                    </a:bodyPr>
+                    <a:lstStyle/>
+                    <a:p>
+                      <a:pPr indent="0" lvl="0" marL="0" rtl="0" algn="ctr">
+                        <a:lnSpc>
+                          <a:spcPct val="115000"/>
+                        </a:lnSpc>
+                        <a:spcBef>
+                          <a:spcPts val="0"/>
+                        </a:spcBef>
+                        <a:spcAft>
+                          <a:spcPts val="0"/>
+                        </a:spcAft>
+                        <a:buNone/>
+                      </a:pPr>
+                      <a:r>
+                        <a:rPr lang="es-ES" sz="1200"/>
+                        <a:t>Año de publicación</a:t>
+                      </a:r>
+                      <a:endParaRPr sz="1200"/>
+                    </a:p>
+                  </a:txBody>
+                  <a:tcPr marT="19050" marB="19050" marR="28575" marL="28575" anchor="ctr">
+                    <a:lnL cap="flat" cmpd="sng" w="9525">
+                      <a:solidFill>
+                        <a:srgbClr val="000000"/>
+                      </a:solidFill>
+                      <a:prstDash val="solid"/>
+                      <a:round/>
+                      <a:headEnd len="sm" w="sm" type="none"/>
+                      <a:tailEnd len="sm" w="sm" type="none"/>
+                    </a:lnL>
+                    <a:lnR cap="flat" cmpd="sng" w="9525">
+                      <a:solidFill>
+                        <a:srgbClr val="000000"/>
+                      </a:solidFill>
+                      <a:prstDash val="solid"/>
+                      <a:round/>
+                      <a:headEnd len="sm" w="sm" type="none"/>
+                      <a:tailEnd len="sm" w="sm" type="none"/>
+                    </a:lnR>
+                    <a:lnT cap="flat" cmpd="sng" w="9525">
+                      <a:solidFill>
+                        <a:srgbClr val="000000"/>
+                      </a:solidFill>
+                      <a:prstDash val="solid"/>
+                      <a:round/>
+                      <a:headEnd len="sm" w="sm" type="none"/>
+                      <a:tailEnd len="sm" w="sm" type="none"/>
+                    </a:lnT>
+                    <a:lnB cap="flat" cmpd="sng" w="9525">
+                      <a:solidFill>
+                        <a:srgbClr val="000000"/>
+                      </a:solidFill>
+                      <a:prstDash val="solid"/>
+                      <a:round/>
+                      <a:headEnd len="sm" w="sm" type="none"/>
+                      <a:tailEnd len="sm" w="sm" type="none"/>
+                    </a:lnB>
+                  </a:tcPr>
+                </a:tc>
+                <a:tc>
+                  <a:txBody>
+                    <a:bodyPr>
+                      <a:noAutofit/>
+                    </a:bodyPr>
+                    <a:lstStyle/>
+                    <a:p>
+                      <a:pPr indent="0" lvl="0" marL="0" rtl="0" algn="ctr">
+                        <a:lnSpc>
+                          <a:spcPct val="115000"/>
+                        </a:lnSpc>
+                        <a:spcBef>
+                          <a:spcPts val="0"/>
+                        </a:spcBef>
+                        <a:spcAft>
+                          <a:spcPts val="0"/>
+                        </a:spcAft>
+                        <a:buNone/>
+                      </a:pPr>
+                      <a:r>
+                        <a:rPr lang="es-ES" sz="1200"/>
+                        <a:t>Base de datos utilizada</a:t>
+                      </a:r>
+                      <a:endParaRPr sz="1200"/>
+                    </a:p>
+                  </a:txBody>
+                  <a:tcPr marT="19050" marB="19050" marR="28575" marL="28575" anchor="ctr">
+                    <a:lnL cap="flat" cmpd="sng" w="9525">
+                      <a:solidFill>
+                        <a:srgbClr val="000000"/>
+                      </a:solidFill>
+                      <a:prstDash val="solid"/>
+                      <a:round/>
+                      <a:headEnd len="sm" w="sm" type="none"/>
+                      <a:tailEnd len="sm" w="sm" type="none"/>
+                    </a:lnL>
+                    <a:lnR cap="flat" cmpd="sng" w="9525">
+                      <a:solidFill>
+                        <a:srgbClr val="000000"/>
+                      </a:solidFill>
+                      <a:prstDash val="solid"/>
+                      <a:round/>
+                      <a:headEnd len="sm" w="sm" type="none"/>
+                      <a:tailEnd len="sm" w="sm" type="none"/>
+                    </a:lnR>
+                    <a:lnT cap="flat" cmpd="sng" w="9525">
+                      <a:solidFill>
+                        <a:srgbClr val="000000"/>
+                      </a:solidFill>
+                      <a:prstDash val="solid"/>
+                      <a:round/>
+                      <a:headEnd len="sm" w="sm" type="none"/>
+                      <a:tailEnd len="sm" w="sm" type="none"/>
+                    </a:lnT>
+                    <a:lnB cap="flat" cmpd="sng" w="9525">
+                      <a:solidFill>
+                        <a:srgbClr val="000000"/>
+                      </a:solidFill>
+                      <a:prstDash val="solid"/>
+                      <a:round/>
+                      <a:headEnd len="sm" w="sm" type="none"/>
+                      <a:tailEnd len="sm" w="sm" type="none"/>
+                    </a:lnB>
+                  </a:tcPr>
+                </a:tc>
+                <a:tc>
+                  <a:txBody>
+                    <a:bodyPr>
+                      <a:noAutofit/>
+                    </a:bodyPr>
+                    <a:lstStyle/>
+                    <a:p>
+                      <a:pPr indent="0" lvl="0" marL="0" rtl="0" algn="ctr">
+                        <a:lnSpc>
+                          <a:spcPct val="115000"/>
+                        </a:lnSpc>
+                        <a:spcBef>
+                          <a:spcPts val="0"/>
+                        </a:spcBef>
+                        <a:spcAft>
+                          <a:spcPts val="0"/>
+                        </a:spcAft>
+                        <a:buNone/>
+                      </a:pPr>
+                      <a:r>
+                        <a:rPr lang="es-ES" sz="1000"/>
+                        <a:t>Conclusiones</a:t>
+                      </a:r>
+                      <a:endParaRPr sz="1000"/>
+                    </a:p>
+                  </a:txBody>
+                  <a:tcPr marT="19050" marB="19050" marR="28575" marL="28575" anchor="ctr">
+                    <a:lnL cap="flat" cmpd="sng" w="9525">
+                      <a:solidFill>
+                        <a:srgbClr val="000000"/>
+                      </a:solidFill>
+                      <a:prstDash val="solid"/>
+                      <a:round/>
+                      <a:headEnd len="sm" w="sm" type="none"/>
+                      <a:tailEnd len="sm" w="sm" type="none"/>
+                    </a:lnL>
+                    <a:lnR cap="flat" cmpd="sng" w="9525">
+                      <a:solidFill>
+                        <a:srgbClr val="000000"/>
+                      </a:solidFill>
+                      <a:prstDash val="solid"/>
+                      <a:round/>
+                      <a:headEnd len="sm" w="sm" type="none"/>
+                      <a:tailEnd len="sm" w="sm" type="none"/>
+                    </a:lnR>
+                    <a:lnT cap="flat" cmpd="sng" w="9525">
+                      <a:solidFill>
+                        <a:srgbClr val="000000"/>
+                      </a:solidFill>
+                      <a:prstDash val="solid"/>
+                      <a:round/>
+                      <a:headEnd len="sm" w="sm" type="none"/>
+                      <a:tailEnd len="sm" w="sm" type="none"/>
+                    </a:lnT>
+                    <a:lnB cap="flat" cmpd="sng" w="9525">
+                      <a:solidFill>
+                        <a:srgbClr val="000000"/>
+                      </a:solidFill>
+                      <a:prstDash val="solid"/>
+                      <a:round/>
+                      <a:headEnd len="sm" w="sm" type="none"/>
+                      <a:tailEnd len="sm" w="sm" type="none"/>
+                    </a:lnB>
+                  </a:tcPr>
+                </a:tc>
+              </a:tr>
+              <a:tr h="800500">
+                <a:tc>
+                  <a:txBody>
+                    <a:bodyPr>
+                      <a:noAutofit/>
+                    </a:bodyPr>
+                    <a:lstStyle/>
+                    <a:p>
+                      <a:pPr indent="0" lvl="0" marL="0" rtl="0" algn="ctr">
+                        <a:lnSpc>
+                          <a:spcPct val="115000"/>
+                        </a:lnSpc>
+                        <a:spcBef>
+                          <a:spcPts val="0"/>
+                        </a:spcBef>
+                        <a:spcAft>
+                          <a:spcPts val="0"/>
+                        </a:spcAft>
+                        <a:buNone/>
+                      </a:pPr>
+                      <a:r>
+                        <a:rPr b="1" lang="es-ES" sz="1000" u="sng">
+                          <a:hlinkClick r:id="rId3"/>
+                        </a:rPr>
+                        <a:t>Grammatical Facial Expressions Recognition with Machine Learning</a:t>
+                      </a:r>
+                      <a:endParaRPr b="1" sz="1000" u="sng">
+                        <a:hlinkClick r:id="rId4"/>
+                      </a:endParaRPr>
+                    </a:p>
+                  </a:txBody>
+                  <a:tcPr marT="19050" marB="19050" marR="28575" marL="28575" anchor="ctr">
+                    <a:lnL cap="flat" cmpd="sng" w="9525">
+                      <a:solidFill>
+                        <a:srgbClr val="000000"/>
+                      </a:solidFill>
+                      <a:prstDash val="solid"/>
+                      <a:round/>
+                      <a:headEnd len="sm" w="sm" type="none"/>
+                      <a:tailEnd len="sm" w="sm" type="none"/>
+                    </a:lnL>
+                    <a:lnR cap="flat" cmpd="sng" w="9525">
+                      <a:solidFill>
+                        <a:srgbClr val="000000"/>
+                      </a:solidFill>
+                      <a:prstDash val="solid"/>
+                      <a:round/>
+                      <a:headEnd len="sm" w="sm" type="none"/>
+                      <a:tailEnd len="sm" w="sm" type="none"/>
+                    </a:lnR>
+                    <a:lnT cap="flat" cmpd="sng" w="9525">
+                      <a:solidFill>
+                        <a:srgbClr val="000000"/>
+                      </a:solidFill>
+                      <a:prstDash val="solid"/>
+                      <a:round/>
+                      <a:headEnd len="sm" w="sm" type="none"/>
+                      <a:tailEnd len="sm" w="sm" type="none"/>
+                    </a:lnT>
+                    <a:lnB cap="flat" cmpd="sng" w="9525">
+                      <a:solidFill>
+                        <a:srgbClr val="000000"/>
+                      </a:solidFill>
+                      <a:prstDash val="solid"/>
+                      <a:round/>
+                      <a:headEnd len="sm" w="sm" type="none"/>
+                      <a:tailEnd len="sm" w="sm" type="none"/>
+                    </a:lnB>
+                  </a:tcPr>
+                </a:tc>
+                <a:tc>
+                  <a:txBody>
+                    <a:bodyPr>
+                      <a:noAutofit/>
+                    </a:bodyPr>
+                    <a:lstStyle/>
+                    <a:p>
+                      <a:pPr indent="0" lvl="0" marL="0" rtl="0" algn="ctr">
+                        <a:lnSpc>
+                          <a:spcPct val="115000"/>
+                        </a:lnSpc>
+                        <a:spcBef>
+                          <a:spcPts val="0"/>
+                        </a:spcBef>
+                        <a:spcAft>
+                          <a:spcPts val="0"/>
+                        </a:spcAft>
+                        <a:buNone/>
+                      </a:pPr>
+                      <a:r>
+                        <a:rPr lang="es-ES" sz="1000"/>
+                        <a:t>FREITAS, F. A. ; Peres, S. M. ; Lima, C. A. M. ; BARBOSA, F. V.</a:t>
+                      </a:r>
+                      <a:endParaRPr sz="1000"/>
+                    </a:p>
+                  </a:txBody>
+                  <a:tcPr marT="19050" marB="19050" marR="28575" marL="28575" anchor="ctr">
+                    <a:lnL cap="flat" cmpd="sng" w="9525">
+                      <a:solidFill>
+                        <a:srgbClr val="000000"/>
+                      </a:solidFill>
+                      <a:prstDash val="solid"/>
+                      <a:round/>
+                      <a:headEnd len="sm" w="sm" type="none"/>
+                      <a:tailEnd len="sm" w="sm" type="none"/>
+                    </a:lnL>
+                    <a:lnR cap="flat" cmpd="sng" w="9525">
+                      <a:solidFill>
+                        <a:srgbClr val="000000"/>
+                      </a:solidFill>
+                      <a:prstDash val="solid"/>
+                      <a:round/>
+                      <a:headEnd len="sm" w="sm" type="none"/>
+                      <a:tailEnd len="sm" w="sm" type="none"/>
+                    </a:lnR>
+                    <a:lnT cap="flat" cmpd="sng" w="9525">
+                      <a:solidFill>
+                        <a:srgbClr val="000000"/>
+                      </a:solidFill>
+                      <a:prstDash val="solid"/>
+                      <a:round/>
+                      <a:headEnd len="sm" w="sm" type="none"/>
+                      <a:tailEnd len="sm" w="sm" type="none"/>
+                    </a:lnT>
+                    <a:lnB cap="flat" cmpd="sng" w="9525">
+                      <a:solidFill>
+                        <a:srgbClr val="000000"/>
+                      </a:solidFill>
+                      <a:prstDash val="solid"/>
+                      <a:round/>
+                      <a:headEnd len="sm" w="sm" type="none"/>
+                      <a:tailEnd len="sm" w="sm" type="none"/>
+                    </a:lnB>
+                  </a:tcPr>
+                </a:tc>
+                <a:tc>
+                  <a:txBody>
+                    <a:bodyPr>
+                      <a:noAutofit/>
+                    </a:bodyPr>
+                    <a:lstStyle/>
+                    <a:p>
+                      <a:pPr indent="0" lvl="0" marL="0" rtl="0">
+                        <a:spcBef>
+                          <a:spcPts val="0"/>
+                        </a:spcBef>
+                        <a:spcAft>
+                          <a:spcPts val="0"/>
+                        </a:spcAft>
+                        <a:buNone/>
+                      </a:pPr>
+                      <a:r>
+                        <a:rPr lang="es-ES"/>
+                        <a:t>neural network Multilayer Perceptron (MLP)</a:t>
+                      </a:r>
+                      <a:endParaRPr/>
+                    </a:p>
+                  </a:txBody>
+                  <a:tcPr marT="19050" marB="19050" marR="28575" marL="28575" anchor="ctr">
+                    <a:lnL cap="flat" cmpd="sng" w="9525">
+                      <a:solidFill>
+                        <a:srgbClr val="000000"/>
+                      </a:solidFill>
+                      <a:prstDash val="solid"/>
+                      <a:round/>
+                      <a:headEnd len="sm" w="sm" type="none"/>
+                      <a:tailEnd len="sm" w="sm" type="none"/>
+                    </a:lnL>
+                    <a:lnR cap="flat" cmpd="sng" w="9525">
+                      <a:solidFill>
+                        <a:srgbClr val="000000"/>
+                      </a:solidFill>
+                      <a:prstDash val="solid"/>
+                      <a:round/>
+                      <a:headEnd len="sm" w="sm" type="none"/>
+                      <a:tailEnd len="sm" w="sm" type="none"/>
+                    </a:lnR>
+                    <a:lnT cap="flat" cmpd="sng" w="9525">
+                      <a:solidFill>
+                        <a:srgbClr val="000000"/>
+                      </a:solidFill>
+                      <a:prstDash val="solid"/>
+                      <a:round/>
+                      <a:headEnd len="sm" w="sm" type="none"/>
+                      <a:tailEnd len="sm" w="sm" type="none"/>
+                    </a:lnT>
+                    <a:lnB cap="flat" cmpd="sng" w="9525">
+                      <a:solidFill>
+                        <a:srgbClr val="000000"/>
+                      </a:solidFill>
+                      <a:prstDash val="solid"/>
+                      <a:round/>
+                      <a:headEnd len="sm" w="sm" type="none"/>
+                      <a:tailEnd len="sm" w="sm" type="none"/>
+                    </a:lnB>
+                  </a:tcPr>
+                </a:tc>
+                <a:tc>
+                  <a:txBody>
+                    <a:bodyPr>
+                      <a:noAutofit/>
+                    </a:bodyPr>
+                    <a:lstStyle/>
+                    <a:p>
+                      <a:pPr indent="0" lvl="0" marL="0" rtl="0" algn="ctr">
+                        <a:lnSpc>
+                          <a:spcPct val="115000"/>
+                        </a:lnSpc>
+                        <a:spcBef>
+                          <a:spcPts val="0"/>
+                        </a:spcBef>
+                        <a:spcAft>
+                          <a:spcPts val="0"/>
+                        </a:spcAft>
+                        <a:buNone/>
+                      </a:pPr>
+                      <a:r>
+                        <a:rPr lang="es-ES" sz="1000"/>
+                        <a:t>2014</a:t>
+                      </a:r>
+                      <a:endParaRPr sz="1000"/>
+                    </a:p>
+                  </a:txBody>
+                  <a:tcPr marT="19050" marB="19050" marR="28575" marL="28575" anchor="ctr">
+                    <a:lnL cap="flat" cmpd="sng" w="9525">
+                      <a:solidFill>
+                        <a:srgbClr val="000000"/>
+                      </a:solidFill>
+                      <a:prstDash val="solid"/>
+                      <a:round/>
+                      <a:headEnd len="sm" w="sm" type="none"/>
+                      <a:tailEnd len="sm" w="sm" type="none"/>
+                    </a:lnL>
+                    <a:lnR cap="flat" cmpd="sng" w="9525">
+                      <a:solidFill>
+                        <a:srgbClr val="000000"/>
+                      </a:solidFill>
+                      <a:prstDash val="solid"/>
+                      <a:round/>
+                      <a:headEnd len="sm" w="sm" type="none"/>
+                      <a:tailEnd len="sm" w="sm" type="none"/>
+                    </a:lnR>
+                    <a:lnT cap="flat" cmpd="sng" w="9525">
+                      <a:solidFill>
+                        <a:srgbClr val="000000"/>
+                      </a:solidFill>
+                      <a:prstDash val="solid"/>
+                      <a:round/>
+                      <a:headEnd len="sm" w="sm" type="none"/>
+                      <a:tailEnd len="sm" w="sm" type="none"/>
+                    </a:lnT>
+                    <a:lnB cap="flat" cmpd="sng" w="9525">
+                      <a:solidFill>
+                        <a:srgbClr val="000000"/>
+                      </a:solidFill>
+                      <a:prstDash val="solid"/>
+                      <a:round/>
+                      <a:headEnd len="sm" w="sm" type="none"/>
+                      <a:tailEnd len="sm" w="sm" type="none"/>
+                    </a:lnB>
+                  </a:tcPr>
+                </a:tc>
+                <a:tc>
+                  <a:txBody>
+                    <a:bodyPr>
+                      <a:noAutofit/>
+                    </a:bodyPr>
+                    <a:lstStyle/>
+                    <a:p>
+                      <a:pPr indent="0" lvl="0" marL="0" rtl="0" algn="ctr">
+                        <a:lnSpc>
+                          <a:spcPct val="115000"/>
+                        </a:lnSpc>
+                        <a:spcBef>
+                          <a:spcPts val="0"/>
+                        </a:spcBef>
+                        <a:spcAft>
+                          <a:spcPts val="0"/>
+                        </a:spcAft>
+                        <a:buNone/>
+                      </a:pPr>
+                      <a:r>
+                        <a:rPr b="1" lang="es-ES" sz="1000" u="sng">
+                          <a:hlinkClick r:id="rId5"/>
+                        </a:rPr>
+                        <a:t>Grammatical Facial Expressions Data Set</a:t>
+                      </a:r>
+                      <a:endParaRPr b="1" sz="1000" u="sng">
+                        <a:hlinkClick r:id="rId6"/>
+                      </a:endParaRPr>
+                    </a:p>
+                  </a:txBody>
+                  <a:tcPr marT="19050" marB="19050" marR="28575" marL="28575" anchor="ctr">
+                    <a:lnL cap="flat" cmpd="sng" w="9525">
+                      <a:solidFill>
+                        <a:srgbClr val="000000"/>
+                      </a:solidFill>
+                      <a:prstDash val="solid"/>
+                      <a:round/>
+                      <a:headEnd len="sm" w="sm" type="none"/>
+                      <a:tailEnd len="sm" w="sm" type="none"/>
+                    </a:lnL>
+                    <a:lnR cap="flat" cmpd="sng" w="9525">
+                      <a:solidFill>
+                        <a:srgbClr val="000000"/>
+                      </a:solidFill>
+                      <a:prstDash val="solid"/>
+                      <a:round/>
+                      <a:headEnd len="sm" w="sm" type="none"/>
+                      <a:tailEnd len="sm" w="sm" type="none"/>
+                    </a:lnR>
+                    <a:lnT cap="flat" cmpd="sng" w="9525">
+                      <a:solidFill>
+                        <a:srgbClr val="000000"/>
+                      </a:solidFill>
+                      <a:prstDash val="solid"/>
+                      <a:round/>
+                      <a:headEnd len="sm" w="sm" type="none"/>
+                      <a:tailEnd len="sm" w="sm" type="none"/>
+                    </a:lnT>
+                    <a:lnB cap="flat" cmpd="sng" w="9525">
+                      <a:solidFill>
+                        <a:srgbClr val="000000"/>
+                      </a:solidFill>
+                      <a:prstDash val="solid"/>
+                      <a:round/>
+                      <a:headEnd len="sm" w="sm" type="none"/>
+                      <a:tailEnd len="sm" w="sm" type="none"/>
+                    </a:lnB>
+                  </a:tcPr>
+                </a:tc>
+                <a:tc>
+                  <a:txBody>
+                    <a:bodyPr>
+                      <a:noAutofit/>
+                    </a:bodyPr>
+                    <a:lstStyle/>
+                    <a:p>
+                      <a:pPr indent="0" lvl="0" marL="0" rtl="0" algn="just">
+                        <a:spcBef>
+                          <a:spcPts val="0"/>
+                        </a:spcBef>
+                        <a:spcAft>
+                          <a:spcPts val="0"/>
+                        </a:spcAft>
+                        <a:buNone/>
+                      </a:pPr>
+                      <a:r>
+                        <a:rPr lang="es-ES" sz="1000"/>
+                        <a:t>Our experiments have covered</a:t>
+                      </a:r>
+                      <a:br>
+                        <a:rPr lang="es-ES" sz="1000"/>
+                      </a:br>
+                      <a:r>
+                        <a:rPr lang="es-ES" sz="1000"/>
+                        <a:t>nine types of sentences with distinct grammatical sense, and</a:t>
+                      </a:r>
+                      <a:br>
+                        <a:rPr lang="es-ES" sz="1000"/>
+                      </a:br>
+                      <a:r>
+                        <a:rPr lang="es-ES" sz="1000"/>
+                        <a:t>the recognition problem was modeled by means of a set of</a:t>
+                      </a:r>
+                      <a:br>
+                        <a:rPr lang="es-ES" sz="1000"/>
+                      </a:br>
+                      <a:r>
+                        <a:rPr lang="es-ES" sz="1000"/>
+                        <a:t>binary classification tasks.</a:t>
+                      </a:r>
+                      <a:endParaRPr sz="1000"/>
+                    </a:p>
+                  </a:txBody>
+                  <a:tcPr marT="19050" marB="19050" marR="28575" marL="28575" anchor="ctr">
+                    <a:lnL cap="flat" cmpd="sng" w="9525">
+                      <a:solidFill>
+                        <a:srgbClr val="000000"/>
+                      </a:solidFill>
+                      <a:prstDash val="solid"/>
+                      <a:round/>
+                      <a:headEnd len="sm" w="sm" type="none"/>
+                      <a:tailEnd len="sm" w="sm" type="none"/>
+                    </a:lnL>
+                    <a:lnR cap="flat" cmpd="sng" w="9525">
+                      <a:solidFill>
+                        <a:srgbClr val="000000"/>
+                      </a:solidFill>
+                      <a:prstDash val="solid"/>
+                      <a:round/>
+                      <a:headEnd len="sm" w="sm" type="none"/>
+                      <a:tailEnd len="sm" w="sm" type="none"/>
+                    </a:lnR>
+                    <a:lnT cap="flat" cmpd="sng" w="9525">
+                      <a:solidFill>
+                        <a:srgbClr val="000000"/>
+                      </a:solidFill>
+                      <a:prstDash val="solid"/>
+                      <a:round/>
+                      <a:headEnd len="sm" w="sm" type="none"/>
+                      <a:tailEnd len="sm" w="sm" type="none"/>
+                    </a:lnT>
+                    <a:lnB cap="flat" cmpd="sng" w="9525">
+                      <a:solidFill>
+                        <a:srgbClr val="000000"/>
+                      </a:solidFill>
+                      <a:prstDash val="solid"/>
+                      <a:round/>
+                      <a:headEnd len="sm" w="sm" type="none"/>
+                      <a:tailEnd len="sm" w="sm" type="none"/>
+                    </a:lnB>
+                  </a:tcPr>
+                </a:tc>
+              </a:tr>
+              <a:tr h="981075">
+                <a:tc>
+                  <a:txBody>
+                    <a:bodyPr>
+                      <a:noAutofit/>
+                    </a:bodyPr>
+                    <a:lstStyle/>
+                    <a:p>
+                      <a:pPr indent="0" lvl="0" marL="0" rtl="0" algn="ctr">
+                        <a:lnSpc>
+                          <a:spcPct val="115000"/>
+                        </a:lnSpc>
+                        <a:spcBef>
+                          <a:spcPts val="0"/>
+                        </a:spcBef>
+                        <a:spcAft>
+                          <a:spcPts val="0"/>
+                        </a:spcAft>
+                        <a:buNone/>
+                      </a:pPr>
+                      <a:r>
+                        <a:rPr b="1" lang="es-ES" sz="1000"/>
+                        <a:t>Facial Expression Recognition Using Constructive</a:t>
+                      </a:r>
+                      <a:endParaRPr b="1" sz="1000"/>
+                    </a:p>
+                    <a:p>
+                      <a:pPr indent="0" lvl="0" marL="0" rtl="0" algn="ctr">
+                        <a:lnSpc>
+                          <a:spcPct val="115000"/>
+                        </a:lnSpc>
+                        <a:spcBef>
+                          <a:spcPts val="0"/>
+                        </a:spcBef>
+                        <a:spcAft>
+                          <a:spcPts val="0"/>
+                        </a:spcAft>
+                        <a:buNone/>
+                      </a:pPr>
+                      <a:r>
+                        <a:rPr b="1" lang="es-ES" sz="1000"/>
+                        <a:t>Feedforward NN</a:t>
+                      </a:r>
+                      <a:endParaRPr b="1" sz="1000"/>
+                    </a:p>
+                  </a:txBody>
+                  <a:tcPr marT="19050" marB="19050" marR="28575" marL="28575" anchor="ctr">
+                    <a:lnL cap="flat" cmpd="sng" w="9525">
+                      <a:solidFill>
+                        <a:srgbClr val="000000"/>
+                      </a:solidFill>
+                      <a:prstDash val="solid"/>
+                      <a:round/>
+                      <a:headEnd len="sm" w="sm" type="none"/>
+                      <a:tailEnd len="sm" w="sm" type="none"/>
+                    </a:lnL>
+                    <a:lnR cap="flat" cmpd="sng" w="9525">
+                      <a:solidFill>
+                        <a:srgbClr val="000000"/>
+                      </a:solidFill>
+                      <a:prstDash val="solid"/>
+                      <a:round/>
+                      <a:headEnd len="sm" w="sm" type="none"/>
+                      <a:tailEnd len="sm" w="sm" type="none"/>
+                    </a:lnR>
+                    <a:lnT cap="flat" cmpd="sng" w="9525">
+                      <a:solidFill>
+                        <a:srgbClr val="000000"/>
+                      </a:solidFill>
+                      <a:prstDash val="solid"/>
+                      <a:round/>
+                      <a:headEnd len="sm" w="sm" type="none"/>
+                      <a:tailEnd len="sm" w="sm" type="none"/>
+                    </a:lnT>
+                    <a:lnB cap="flat" cmpd="sng" w="9525">
+                      <a:solidFill>
+                        <a:srgbClr val="000000"/>
+                      </a:solidFill>
+                      <a:prstDash val="solid"/>
+                      <a:round/>
+                      <a:headEnd len="sm" w="sm" type="none"/>
+                      <a:tailEnd len="sm" w="sm" type="none"/>
+                    </a:lnB>
+                  </a:tcPr>
+                </a:tc>
+                <a:tc>
+                  <a:txBody>
+                    <a:bodyPr>
+                      <a:noAutofit/>
+                    </a:bodyPr>
+                    <a:lstStyle/>
+                    <a:p>
+                      <a:pPr indent="0" lvl="0" marL="0" rtl="0" algn="ctr">
+                        <a:lnSpc>
+                          <a:spcPct val="115000"/>
+                        </a:lnSpc>
+                        <a:spcBef>
+                          <a:spcPts val="0"/>
+                        </a:spcBef>
+                        <a:spcAft>
+                          <a:spcPts val="0"/>
+                        </a:spcAft>
+                        <a:buNone/>
+                      </a:pPr>
+                      <a:r>
+                        <a:rPr lang="es-ES" sz="1000"/>
+                        <a:t>L. Ma and K. Khorasani</a:t>
+                      </a:r>
+                      <a:endParaRPr sz="1000"/>
+                    </a:p>
+                  </a:txBody>
+                  <a:tcPr marT="19050" marB="19050" marR="28575" marL="28575" anchor="ctr">
+                    <a:lnL cap="flat" cmpd="sng" w="9525">
+                      <a:solidFill>
+                        <a:srgbClr val="000000"/>
+                      </a:solidFill>
+                      <a:prstDash val="solid"/>
+                      <a:round/>
+                      <a:headEnd len="sm" w="sm" type="none"/>
+                      <a:tailEnd len="sm" w="sm" type="none"/>
+                    </a:lnL>
+                    <a:lnR cap="flat" cmpd="sng" w="9525">
+                      <a:solidFill>
+                        <a:srgbClr val="000000"/>
+                      </a:solidFill>
+                      <a:prstDash val="solid"/>
+                      <a:round/>
+                      <a:headEnd len="sm" w="sm" type="none"/>
+                      <a:tailEnd len="sm" w="sm" type="none"/>
+                    </a:lnR>
+                    <a:lnT cap="flat" cmpd="sng" w="9525">
+                      <a:solidFill>
+                        <a:srgbClr val="000000"/>
+                      </a:solidFill>
+                      <a:prstDash val="solid"/>
+                      <a:round/>
+                      <a:headEnd len="sm" w="sm" type="none"/>
+                      <a:tailEnd len="sm" w="sm" type="none"/>
+                    </a:lnT>
+                    <a:lnB cap="flat" cmpd="sng" w="9525">
+                      <a:solidFill>
+                        <a:srgbClr val="000000"/>
+                      </a:solidFill>
+                      <a:prstDash val="solid"/>
+                      <a:round/>
+                      <a:headEnd len="sm" w="sm" type="none"/>
+                      <a:tailEnd len="sm" w="sm" type="none"/>
+                    </a:lnB>
+                  </a:tcPr>
+                </a:tc>
+                <a:tc>
+                  <a:txBody>
+                    <a:bodyPr>
+                      <a:noAutofit/>
+                    </a:bodyPr>
+                    <a:lstStyle/>
+                    <a:p>
+                      <a:pPr indent="0" lvl="0" marL="0" rtl="0" algn="ctr">
+                        <a:lnSpc>
+                          <a:spcPct val="115000"/>
+                        </a:lnSpc>
+                        <a:spcBef>
+                          <a:spcPts val="0"/>
+                        </a:spcBef>
+                        <a:spcAft>
+                          <a:spcPts val="0"/>
+                        </a:spcAft>
+                        <a:buNone/>
+                      </a:pPr>
+                      <a:r>
+                        <a:rPr lang="es-ES" sz="1000" u="sng">
+                          <a:hlinkClick r:id="rId7"/>
+                        </a:rPr>
+                        <a:t>Discrete Cosine Transform for feature detection</a:t>
+                      </a:r>
+                      <a:endParaRPr sz="1000" u="sng">
+                        <a:hlinkClick r:id="rId8"/>
+                      </a:endParaRPr>
+                    </a:p>
+                    <a:p>
+                      <a:pPr indent="0" lvl="0" marL="0" rtl="0" algn="ctr">
+                        <a:lnSpc>
+                          <a:spcPct val="115000"/>
+                        </a:lnSpc>
+                        <a:spcBef>
+                          <a:spcPts val="0"/>
+                        </a:spcBef>
+                        <a:spcAft>
+                          <a:spcPts val="0"/>
+                        </a:spcAft>
+                        <a:buNone/>
+                      </a:pPr>
+                      <a:r>
+                        <a:rPr lang="es-ES" sz="1000" u="sng">
+                          <a:hlinkClick r:id="rId9"/>
+                        </a:rPr>
+                        <a:t>&amp; NN 1 hidden-layer: clasifier using constructive algorithm (Input-side pruning strategies)</a:t>
+                      </a:r>
+                      <a:endParaRPr sz="1000" u="sng">
+                        <a:hlinkClick r:id="rId10"/>
+                      </a:endParaRPr>
+                    </a:p>
+                  </a:txBody>
+                  <a:tcPr marT="19050" marB="19050" marR="28575" marL="28575" anchor="ctr">
+                    <a:lnL cap="flat" cmpd="sng" w="9525">
+                      <a:solidFill>
+                        <a:srgbClr val="000000"/>
+                      </a:solidFill>
+                      <a:prstDash val="solid"/>
+                      <a:round/>
+                      <a:headEnd len="sm" w="sm" type="none"/>
+                      <a:tailEnd len="sm" w="sm" type="none"/>
+                    </a:lnL>
+                    <a:lnR cap="flat" cmpd="sng" w="9525">
+                      <a:solidFill>
+                        <a:srgbClr val="000000"/>
+                      </a:solidFill>
+                      <a:prstDash val="solid"/>
+                      <a:round/>
+                      <a:headEnd len="sm" w="sm" type="none"/>
+                      <a:tailEnd len="sm" w="sm" type="none"/>
+                    </a:lnR>
+                    <a:lnT cap="flat" cmpd="sng" w="9525">
+                      <a:solidFill>
+                        <a:srgbClr val="000000"/>
+                      </a:solidFill>
+                      <a:prstDash val="solid"/>
+                      <a:round/>
+                      <a:headEnd len="sm" w="sm" type="none"/>
+                      <a:tailEnd len="sm" w="sm" type="none"/>
+                    </a:lnT>
+                    <a:lnB cap="flat" cmpd="sng" w="9525">
+                      <a:solidFill>
+                        <a:srgbClr val="000000"/>
+                      </a:solidFill>
+                      <a:prstDash val="solid"/>
+                      <a:round/>
+                      <a:headEnd len="sm" w="sm" type="none"/>
+                      <a:tailEnd len="sm" w="sm" type="none"/>
+                    </a:lnB>
+                  </a:tcPr>
+                </a:tc>
+                <a:tc>
+                  <a:txBody>
+                    <a:bodyPr>
+                      <a:noAutofit/>
+                    </a:bodyPr>
+                    <a:lstStyle/>
+                    <a:p>
+                      <a:pPr indent="0" lvl="0" marL="0" rtl="0" algn="ctr">
+                        <a:lnSpc>
+                          <a:spcPct val="115000"/>
+                        </a:lnSpc>
+                        <a:spcBef>
+                          <a:spcPts val="0"/>
+                        </a:spcBef>
+                        <a:spcAft>
+                          <a:spcPts val="0"/>
+                        </a:spcAft>
+                        <a:buNone/>
+                      </a:pPr>
+                      <a:r>
+                        <a:rPr lang="es-ES" sz="1000"/>
+                        <a:t>2004</a:t>
+                      </a:r>
+                      <a:endParaRPr sz="1000"/>
+                    </a:p>
+                  </a:txBody>
+                  <a:tcPr marT="19050" marB="19050" marR="28575" marL="28575" anchor="ctr">
+                    <a:lnL cap="flat" cmpd="sng" w="9525">
+                      <a:solidFill>
+                        <a:srgbClr val="000000"/>
+                      </a:solidFill>
+                      <a:prstDash val="solid"/>
+                      <a:round/>
+                      <a:headEnd len="sm" w="sm" type="none"/>
+                      <a:tailEnd len="sm" w="sm" type="none"/>
+                    </a:lnL>
+                    <a:lnR cap="flat" cmpd="sng" w="9525">
+                      <a:solidFill>
+                        <a:srgbClr val="000000"/>
+                      </a:solidFill>
+                      <a:prstDash val="solid"/>
+                      <a:round/>
+                      <a:headEnd len="sm" w="sm" type="none"/>
+                      <a:tailEnd len="sm" w="sm" type="none"/>
+                    </a:lnR>
+                    <a:lnT cap="flat" cmpd="sng" w="9525">
+                      <a:solidFill>
+                        <a:srgbClr val="000000"/>
+                      </a:solidFill>
+                      <a:prstDash val="solid"/>
+                      <a:round/>
+                      <a:headEnd len="sm" w="sm" type="none"/>
+                      <a:tailEnd len="sm" w="sm" type="none"/>
+                    </a:lnT>
+                    <a:lnB cap="flat" cmpd="sng" w="9525">
+                      <a:solidFill>
+                        <a:srgbClr val="000000"/>
+                      </a:solidFill>
+                      <a:prstDash val="solid"/>
+                      <a:round/>
+                      <a:headEnd len="sm" w="sm" type="none"/>
+                      <a:tailEnd len="sm" w="sm" type="none"/>
+                    </a:lnB>
+                  </a:tcPr>
+                </a:tc>
+                <a:tc>
+                  <a:txBody>
+                    <a:bodyPr>
+                      <a:noAutofit/>
+                    </a:bodyPr>
+                    <a:lstStyle/>
+                    <a:p>
+                      <a:pPr indent="0" lvl="0" marL="0" rtl="0" algn="just">
+                        <a:lnSpc>
+                          <a:spcPct val="115000"/>
+                        </a:lnSpc>
+                        <a:spcBef>
+                          <a:spcPts val="0"/>
+                        </a:spcBef>
+                        <a:spcAft>
+                          <a:spcPts val="0"/>
+                        </a:spcAft>
+                        <a:buNone/>
+                      </a:pPr>
+                      <a:r>
+                        <a:rPr lang="es-ES" sz="1000"/>
+                        <a:t>60 men, each w/ five facial expression (neutral, smile, anger, sadness, and surprise).40 used for network training, </a:t>
+                      </a:r>
+                      <a:endParaRPr sz="1000"/>
+                    </a:p>
+                  </a:txBody>
+                  <a:tcPr marT="19050" marB="19050" marR="28575" marL="28575" anchor="ctr">
+                    <a:lnL cap="flat" cmpd="sng" w="9525">
+                      <a:solidFill>
+                        <a:srgbClr val="000000"/>
+                      </a:solidFill>
+                      <a:prstDash val="solid"/>
+                      <a:round/>
+                      <a:headEnd len="sm" w="sm" type="none"/>
+                      <a:tailEnd len="sm" w="sm" type="none"/>
+                    </a:lnL>
+                    <a:lnR cap="flat" cmpd="sng" w="9525">
+                      <a:solidFill>
+                        <a:srgbClr val="000000"/>
+                      </a:solidFill>
+                      <a:prstDash val="solid"/>
+                      <a:round/>
+                      <a:headEnd len="sm" w="sm" type="none"/>
+                      <a:tailEnd len="sm" w="sm" type="none"/>
+                    </a:lnR>
+                    <a:lnT cap="flat" cmpd="sng" w="9525">
+                      <a:solidFill>
+                        <a:srgbClr val="000000"/>
+                      </a:solidFill>
+                      <a:prstDash val="solid"/>
+                      <a:round/>
+                      <a:headEnd len="sm" w="sm" type="none"/>
+                      <a:tailEnd len="sm" w="sm" type="none"/>
+                    </a:lnT>
+                    <a:lnB cap="flat" cmpd="sng" w="9525">
+                      <a:solidFill>
+                        <a:srgbClr val="000000"/>
+                      </a:solidFill>
+                      <a:prstDash val="solid"/>
+                      <a:round/>
+                      <a:headEnd len="sm" w="sm" type="none"/>
+                      <a:tailEnd len="sm" w="sm" type="none"/>
+                    </a:lnB>
+                  </a:tcPr>
+                </a:tc>
+                <a:tc>
+                  <a:txBody>
+                    <a:bodyPr>
+                      <a:noAutofit/>
+                    </a:bodyPr>
+                    <a:lstStyle/>
+                    <a:p>
+                      <a:pPr indent="0" lvl="0" marL="0" rtl="0" algn="just">
+                        <a:lnSpc>
+                          <a:spcPct val="115000"/>
+                        </a:lnSpc>
+                        <a:spcBef>
+                          <a:spcPts val="0"/>
+                        </a:spcBef>
+                        <a:spcAft>
+                          <a:spcPts val="0"/>
+                        </a:spcAft>
+                        <a:buNone/>
+                      </a:pPr>
+                      <a:r>
+                        <a:rPr lang="es-ES" sz="1000"/>
+                        <a:t>In all the experimental results presented, it was revealed that the input-side weight pruning technique proposed results in smaller networks</a:t>
+                      </a:r>
+                      <a:endParaRPr sz="1000"/>
+                    </a:p>
+                  </a:txBody>
+                  <a:tcPr marT="19050" marB="19050" marR="28575" marL="28575" anchor="ctr">
+                    <a:lnL cap="flat" cmpd="sng" w="9525">
+                      <a:solidFill>
+                        <a:srgbClr val="000000"/>
+                      </a:solidFill>
+                      <a:prstDash val="solid"/>
+                      <a:round/>
+                      <a:headEnd len="sm" w="sm" type="none"/>
+                      <a:tailEnd len="sm" w="sm" type="none"/>
+                    </a:lnL>
+                    <a:lnR cap="flat" cmpd="sng" w="9525">
+                      <a:solidFill>
+                        <a:srgbClr val="000000"/>
+                      </a:solidFill>
+                      <a:prstDash val="solid"/>
+                      <a:round/>
+                      <a:headEnd len="sm" w="sm" type="none"/>
+                      <a:tailEnd len="sm" w="sm" type="none"/>
+                    </a:lnR>
+                    <a:lnT cap="flat" cmpd="sng" w="9525">
+                      <a:solidFill>
+                        <a:srgbClr val="000000"/>
+                      </a:solidFill>
+                      <a:prstDash val="solid"/>
+                      <a:round/>
+                      <a:headEnd len="sm" w="sm" type="none"/>
+                      <a:tailEnd len="sm" w="sm" type="none"/>
+                    </a:lnT>
+                    <a:lnB cap="flat" cmpd="sng" w="9525">
+                      <a:solidFill>
+                        <a:srgbClr val="000000"/>
+                      </a:solidFill>
+                      <a:prstDash val="solid"/>
+                      <a:round/>
+                      <a:headEnd len="sm" w="sm" type="none"/>
+                      <a:tailEnd len="sm" w="sm" type="none"/>
+                    </a:lnB>
+                  </a:tcPr>
+                </a:tc>
+              </a:tr>
+              <a:tr h="1333500">
+                <a:tc>
+                  <a:txBody>
+                    <a:bodyPr>
+                      <a:noAutofit/>
+                    </a:bodyPr>
+                    <a:lstStyle/>
+                    <a:p>
+                      <a:pPr indent="0" lvl="0" marL="0" rtl="0" algn="ctr">
+                        <a:lnSpc>
+                          <a:spcPct val="115000"/>
+                        </a:lnSpc>
+                        <a:spcBef>
+                          <a:spcPts val="0"/>
+                        </a:spcBef>
+                        <a:spcAft>
+                          <a:spcPts val="0"/>
+                        </a:spcAft>
+                        <a:buNone/>
+                      </a:pPr>
+                      <a:r>
+                        <a:rPr b="1" lang="es-ES" sz="1000"/>
+                        <a:t>PCA Facial Expression Recognition</a:t>
+                      </a:r>
+                      <a:endParaRPr b="1" sz="1000"/>
+                    </a:p>
+                  </a:txBody>
+                  <a:tcPr marT="19050" marB="19050" marR="28575" marL="28575" anchor="ctr">
+                    <a:lnL cap="flat" cmpd="sng" w="9525">
+                      <a:solidFill>
+                        <a:srgbClr val="000000"/>
+                      </a:solidFill>
+                      <a:prstDash val="solid"/>
+                      <a:round/>
+                      <a:headEnd len="sm" w="sm" type="none"/>
+                      <a:tailEnd len="sm" w="sm" type="none"/>
+                    </a:lnL>
+                    <a:lnR cap="flat" cmpd="sng" w="9525">
+                      <a:solidFill>
+                        <a:srgbClr val="000000"/>
+                      </a:solidFill>
+                      <a:prstDash val="solid"/>
+                      <a:round/>
+                      <a:headEnd len="sm" w="sm" type="none"/>
+                      <a:tailEnd len="sm" w="sm" type="none"/>
+                    </a:lnR>
+                    <a:lnT cap="flat" cmpd="sng" w="9525">
+                      <a:solidFill>
+                        <a:srgbClr val="000000"/>
+                      </a:solidFill>
+                      <a:prstDash val="solid"/>
+                      <a:round/>
+                      <a:headEnd len="sm" w="sm" type="none"/>
+                      <a:tailEnd len="sm" w="sm" type="none"/>
+                    </a:lnT>
+                    <a:lnB cap="flat" cmpd="sng" w="9525">
+                      <a:solidFill>
+                        <a:srgbClr val="000000"/>
+                      </a:solidFill>
+                      <a:prstDash val="solid"/>
+                      <a:round/>
+                      <a:headEnd len="sm" w="sm" type="none"/>
+                      <a:tailEnd len="sm" w="sm" type="none"/>
+                    </a:lnB>
+                  </a:tcPr>
+                </a:tc>
+                <a:tc>
+                  <a:txBody>
+                    <a:bodyPr>
+                      <a:noAutofit/>
+                    </a:bodyPr>
+                    <a:lstStyle/>
+                    <a:p>
+                      <a:pPr indent="0" lvl="0" marL="0" rtl="0" algn="ctr">
+                        <a:lnSpc>
+                          <a:spcPct val="115000"/>
+                        </a:lnSpc>
+                        <a:spcBef>
+                          <a:spcPts val="0"/>
+                        </a:spcBef>
+                        <a:spcAft>
+                          <a:spcPts val="0"/>
+                        </a:spcAft>
+                        <a:buNone/>
+                      </a:pPr>
+                      <a:r>
+                        <a:rPr lang="es-ES" sz="1000"/>
+                        <a:t>Inas H. El-Hori, Zahraa K. El-Momen, Ali Ganoun</a:t>
+                      </a:r>
+                      <a:endParaRPr sz="1000"/>
+                    </a:p>
+                  </a:txBody>
+                  <a:tcPr marT="19050" marB="19050" marR="28575" marL="28575" anchor="ctr">
+                    <a:lnL cap="flat" cmpd="sng" w="9525">
+                      <a:solidFill>
+                        <a:srgbClr val="000000"/>
+                      </a:solidFill>
+                      <a:prstDash val="solid"/>
+                      <a:round/>
+                      <a:headEnd len="sm" w="sm" type="none"/>
+                      <a:tailEnd len="sm" w="sm" type="none"/>
+                    </a:lnL>
+                    <a:lnR cap="flat" cmpd="sng" w="9525">
+                      <a:solidFill>
+                        <a:srgbClr val="000000"/>
+                      </a:solidFill>
+                      <a:prstDash val="solid"/>
+                      <a:round/>
+                      <a:headEnd len="sm" w="sm" type="none"/>
+                      <a:tailEnd len="sm" w="sm" type="none"/>
+                    </a:lnR>
+                    <a:lnT cap="flat" cmpd="sng" w="9525">
+                      <a:solidFill>
+                        <a:srgbClr val="000000"/>
+                      </a:solidFill>
+                      <a:prstDash val="solid"/>
+                      <a:round/>
+                      <a:headEnd len="sm" w="sm" type="none"/>
+                      <a:tailEnd len="sm" w="sm" type="none"/>
+                    </a:lnT>
+                    <a:lnB cap="flat" cmpd="sng" w="9525">
+                      <a:solidFill>
+                        <a:srgbClr val="000000"/>
+                      </a:solidFill>
+                      <a:prstDash val="solid"/>
+                      <a:round/>
+                      <a:headEnd len="sm" w="sm" type="none"/>
+                      <a:tailEnd len="sm" w="sm" type="none"/>
+                    </a:lnB>
+                  </a:tcPr>
+                </a:tc>
+                <a:tc>
+                  <a:txBody>
+                    <a:bodyPr>
+                      <a:noAutofit/>
+                    </a:bodyPr>
+                    <a:lstStyle/>
+                    <a:p>
+                      <a:pPr indent="0" lvl="0" marL="0" rtl="0" algn="just">
+                        <a:lnSpc>
+                          <a:spcPct val="115000"/>
+                        </a:lnSpc>
+                        <a:spcBef>
+                          <a:spcPts val="0"/>
+                        </a:spcBef>
+                        <a:spcAft>
+                          <a:spcPts val="0"/>
+                        </a:spcAft>
+                        <a:buNone/>
+                      </a:pPr>
+                      <a:r>
+                        <a:rPr lang="es-ES" sz="1000"/>
+                        <a:t>PCA with Gabor filters as a technique for automatically recognizing facial actions in sequences of images increasing recognition rate. Using Euclidian distance for classification</a:t>
+                      </a:r>
+                      <a:endParaRPr sz="1000"/>
+                    </a:p>
+                  </a:txBody>
+                  <a:tcPr marT="19050" marB="19050" marR="28575" marL="28575" anchor="ctr">
+                    <a:lnL cap="flat" cmpd="sng" w="9525">
+                      <a:solidFill>
+                        <a:srgbClr val="000000"/>
+                      </a:solidFill>
+                      <a:prstDash val="solid"/>
+                      <a:round/>
+                      <a:headEnd len="sm" w="sm" type="none"/>
+                      <a:tailEnd len="sm" w="sm" type="none"/>
+                    </a:lnL>
+                    <a:lnR cap="flat" cmpd="sng" w="9525">
+                      <a:solidFill>
+                        <a:srgbClr val="000000"/>
+                      </a:solidFill>
+                      <a:prstDash val="solid"/>
+                      <a:round/>
+                      <a:headEnd len="sm" w="sm" type="none"/>
+                      <a:tailEnd len="sm" w="sm" type="none"/>
+                    </a:lnR>
+                    <a:lnT cap="flat" cmpd="sng" w="9525">
+                      <a:solidFill>
+                        <a:srgbClr val="000000"/>
+                      </a:solidFill>
+                      <a:prstDash val="solid"/>
+                      <a:round/>
+                      <a:headEnd len="sm" w="sm" type="none"/>
+                      <a:tailEnd len="sm" w="sm" type="none"/>
+                    </a:lnT>
+                    <a:lnB cap="flat" cmpd="sng" w="9525">
+                      <a:solidFill>
+                        <a:srgbClr val="000000"/>
+                      </a:solidFill>
+                      <a:prstDash val="solid"/>
+                      <a:round/>
+                      <a:headEnd len="sm" w="sm" type="none"/>
+                      <a:tailEnd len="sm" w="sm" type="none"/>
+                    </a:lnB>
+                  </a:tcPr>
+                </a:tc>
+                <a:tc>
+                  <a:txBody>
+                    <a:bodyPr>
+                      <a:noAutofit/>
+                    </a:bodyPr>
+                    <a:lstStyle/>
+                    <a:p>
+                      <a:pPr indent="0" lvl="0" marL="0" rtl="0" algn="ctr">
+                        <a:lnSpc>
+                          <a:spcPct val="115000"/>
+                        </a:lnSpc>
+                        <a:spcBef>
+                          <a:spcPts val="0"/>
+                        </a:spcBef>
+                        <a:spcAft>
+                          <a:spcPts val="0"/>
+                        </a:spcAft>
+                        <a:buNone/>
+                      </a:pPr>
+                      <a:r>
+                        <a:rPr lang="es-ES" sz="1000"/>
+                        <a:t>2013</a:t>
+                      </a:r>
+                      <a:endParaRPr sz="1000"/>
+                    </a:p>
+                  </a:txBody>
+                  <a:tcPr marT="19050" marB="19050" marR="28575" marL="28575" anchor="ctr">
+                    <a:lnL cap="flat" cmpd="sng" w="9525">
+                      <a:solidFill>
+                        <a:srgbClr val="000000"/>
+                      </a:solidFill>
+                      <a:prstDash val="solid"/>
+                      <a:round/>
+                      <a:headEnd len="sm" w="sm" type="none"/>
+                      <a:tailEnd len="sm" w="sm" type="none"/>
+                    </a:lnL>
+                    <a:lnR cap="flat" cmpd="sng" w="9525">
+                      <a:solidFill>
+                        <a:srgbClr val="000000"/>
+                      </a:solidFill>
+                      <a:prstDash val="solid"/>
+                      <a:round/>
+                      <a:headEnd len="sm" w="sm" type="none"/>
+                      <a:tailEnd len="sm" w="sm" type="none"/>
+                    </a:lnR>
+                    <a:lnT cap="flat" cmpd="sng" w="9525">
+                      <a:solidFill>
+                        <a:srgbClr val="000000"/>
+                      </a:solidFill>
+                      <a:prstDash val="solid"/>
+                      <a:round/>
+                      <a:headEnd len="sm" w="sm" type="none"/>
+                      <a:tailEnd len="sm" w="sm" type="none"/>
+                    </a:lnT>
+                    <a:lnB cap="flat" cmpd="sng" w="9525">
+                      <a:solidFill>
+                        <a:srgbClr val="000000"/>
+                      </a:solidFill>
+                      <a:prstDash val="solid"/>
+                      <a:round/>
+                      <a:headEnd len="sm" w="sm" type="none"/>
+                      <a:tailEnd len="sm" w="sm" type="none"/>
+                    </a:lnB>
+                  </a:tcPr>
+                </a:tc>
+                <a:tc>
+                  <a:txBody>
+                    <a:bodyPr>
+                      <a:noAutofit/>
+                    </a:bodyPr>
+                    <a:lstStyle/>
+                    <a:p>
+                      <a:pPr indent="0" lvl="0" marL="0" rtl="0" algn="ctr">
+                        <a:lnSpc>
+                          <a:spcPct val="115000"/>
+                        </a:lnSpc>
+                        <a:spcBef>
+                          <a:spcPts val="0"/>
+                        </a:spcBef>
+                        <a:spcAft>
+                          <a:spcPts val="0"/>
+                        </a:spcAft>
+                        <a:buNone/>
+                      </a:pPr>
+                      <a:r>
+                        <a:rPr lang="es-ES" sz="1000"/>
+                        <a:t>322 images, (Happy, Sad, Disgust and Angry along with Neutra). with a 62.7% of these images for training</a:t>
+                      </a:r>
+                      <a:endParaRPr sz="1000"/>
+                    </a:p>
+                  </a:txBody>
+                  <a:tcPr marT="19050" marB="19050" marR="28575" marL="28575" anchor="ctr">
+                    <a:lnL cap="flat" cmpd="sng" w="9525">
+                      <a:solidFill>
+                        <a:srgbClr val="000000"/>
+                      </a:solidFill>
+                      <a:prstDash val="solid"/>
+                      <a:round/>
+                      <a:headEnd len="sm" w="sm" type="none"/>
+                      <a:tailEnd len="sm" w="sm" type="none"/>
+                    </a:lnL>
+                    <a:lnR cap="flat" cmpd="sng" w="9525">
+                      <a:solidFill>
+                        <a:srgbClr val="000000"/>
+                      </a:solidFill>
+                      <a:prstDash val="solid"/>
+                      <a:round/>
+                      <a:headEnd len="sm" w="sm" type="none"/>
+                      <a:tailEnd len="sm" w="sm" type="none"/>
+                    </a:lnR>
+                    <a:lnT cap="flat" cmpd="sng" w="9525">
+                      <a:solidFill>
+                        <a:srgbClr val="000000"/>
+                      </a:solidFill>
+                      <a:prstDash val="solid"/>
+                      <a:round/>
+                      <a:headEnd len="sm" w="sm" type="none"/>
+                      <a:tailEnd len="sm" w="sm" type="none"/>
+                    </a:lnT>
+                    <a:lnB cap="flat" cmpd="sng" w="9525">
+                      <a:solidFill>
+                        <a:srgbClr val="000000"/>
+                      </a:solidFill>
+                      <a:prstDash val="solid"/>
+                      <a:round/>
+                      <a:headEnd len="sm" w="sm" type="none"/>
+                      <a:tailEnd len="sm" w="sm" type="none"/>
+                    </a:lnB>
+                  </a:tcPr>
+                </a:tc>
+                <a:tc>
+                  <a:txBody>
+                    <a:bodyPr>
+                      <a:noAutofit/>
+                    </a:bodyPr>
+                    <a:lstStyle/>
+                    <a:p>
+                      <a:pPr indent="0" lvl="0" marL="0" rtl="0" algn="just">
+                        <a:lnSpc>
+                          <a:spcPct val="115000"/>
+                        </a:lnSpc>
+                        <a:spcBef>
+                          <a:spcPts val="0"/>
+                        </a:spcBef>
+                        <a:spcAft>
+                          <a:spcPts val="0"/>
+                        </a:spcAft>
+                        <a:buNone/>
+                      </a:pPr>
+                      <a:r>
+                        <a:rPr lang="es-ES" sz="1000"/>
+                        <a:t>experiment is effective for PCA with GF (avg recognition rate 73.35%), outperforms </a:t>
+                      </a:r>
+                      <a:r>
+                        <a:rPr b="1" lang="es-ES" sz="1000"/>
+                        <a:t>under different facial expression background, and illumination condition </a:t>
+                      </a:r>
+                      <a:r>
+                        <a:rPr lang="es-ES" sz="1000"/>
+                        <a:t>comparing with using PCA only but less faster.</a:t>
+                      </a:r>
+                      <a:endParaRPr sz="1000"/>
+                    </a:p>
+                  </a:txBody>
+                  <a:tcPr marT="19050" marB="19050" marR="28575" marL="28575" anchor="b">
+                    <a:lnL cap="flat" cmpd="sng" w="9525">
+                      <a:solidFill>
+                        <a:srgbClr val="000000"/>
+                      </a:solidFill>
+                      <a:prstDash val="solid"/>
+                      <a:round/>
+                      <a:headEnd len="sm" w="sm" type="none"/>
+                      <a:tailEnd len="sm" w="sm" type="none"/>
+                    </a:lnL>
+                    <a:lnR cap="flat" cmpd="sng" w="9525">
+                      <a:solidFill>
+                        <a:srgbClr val="000000"/>
+                      </a:solidFill>
+                      <a:prstDash val="solid"/>
+                      <a:round/>
+                      <a:headEnd len="sm" w="sm" type="none"/>
+                      <a:tailEnd len="sm" w="sm" type="none"/>
+                    </a:lnR>
+                    <a:lnT cap="flat" cmpd="sng" w="9525">
+                      <a:solidFill>
+                        <a:srgbClr val="000000"/>
+                      </a:solidFill>
+                      <a:prstDash val="solid"/>
+                      <a:round/>
+                      <a:headEnd len="sm" w="sm" type="none"/>
+                      <a:tailEnd len="sm" w="sm" type="none"/>
+                    </a:lnT>
+                    <a:lnB cap="flat" cmpd="sng" w="9525">
+                      <a:solidFill>
+                        <a:srgbClr val="000000"/>
+                      </a:solidFill>
+                      <a:prstDash val="solid"/>
+                      <a:round/>
+                      <a:headEnd len="sm" w="sm" type="none"/>
+                      <a:tailEnd len="sm" w="sm" type="none"/>
+                    </a:lnB>
+                  </a:tcPr>
+                </a:tc>
+              </a:tr>
+              <a:tr h="200025">
                 <a:tc>
                   <a:txBody>
                     <a:bodyPr>
@@ -23954,25 +25613,21 @@
                         <a:spcAft>
                           <a:spcPts val="0"/>
                         </a:spcAft>
+                        <a:buClr>
+                          <a:schemeClr val="dk1"/>
+                        </a:buClr>
+                        <a:buSzPts val="1100"/>
+                        <a:buFont typeface="Arial"/>
                         <a:buNone/>
                       </a:pPr>
                       <a:r>
-                        <a:rPr b="1" lang="es-ES" sz="2000"/>
-                        <a:t>Autores</a:t>
+                        <a:rPr b="1" lang="es-ES" sz="1100"/>
+                        <a:t>Comparison Between Geometry-Based and Gabor-Wavelets-Based</a:t>
                       </a:r>
-                      <a:endParaRPr b="1" sz="2000"/>
+                      <a:endParaRPr b="1" sz="1100"/>
                     </a:p>
-                  </a:txBody>
-                  <a:tcPr marT="91425" marB="91425" marR="91425" marL="91425" anchor="ctr"/>
-                </a:tc>
-                <a:tc>
-                  <a:txBody>
-                    <a:bodyPr>
-                      <a:noAutofit/>
-                    </a:bodyPr>
-                    <a:lstStyle/>
                     <a:p>
-                      <a:pPr indent="0" lvl="0" marL="0" algn="ctr">
+                      <a:pPr indent="0" lvl="0" marL="0" rtl="0" algn="ctr">
                         <a:spcBef>
                           <a:spcPts val="0"/>
                         </a:spcBef>
@@ -23982,132 +25637,13 @@
                         <a:buNone/>
                       </a:pPr>
                       <a:r>
-                        <a:rPr b="1" lang="es-ES" sz="2000"/>
-                        <a:t>Método Utilizado</a:t>
+                        <a:rPr b="1" lang="es-ES" sz="1100"/>
+                        <a:t>Facial Expression Recognition Using Multi-Layer Perceptron</a:t>
                       </a:r>
-                      <a:endParaRPr b="1" sz="2000"/>
+                      <a:endParaRPr b="1" sz="1100"/>
                     </a:p>
-                  </a:txBody>
-                  <a:tcPr marT="91425" marB="91425" marR="91425" marL="91425" anchor="ctr"/>
-                </a:tc>
-                <a:tc>
-                  <a:txBody>
-                    <a:bodyPr>
-                      <a:noAutofit/>
-                    </a:bodyPr>
-                    <a:lstStyle/>
                     <a:p>
-                      <a:pPr indent="0" lvl="0" marL="0" algn="ctr">
-                        <a:spcBef>
-                          <a:spcPts val="0"/>
-                        </a:spcBef>
-                        <a:spcAft>
-                          <a:spcPts val="0"/>
-                        </a:spcAft>
-                        <a:buNone/>
-                      </a:pPr>
-                      <a:r>
-                        <a:rPr b="1" lang="es-ES" sz="2000"/>
-                        <a:t>Año de publicación</a:t>
-                      </a:r>
-                      <a:endParaRPr b="1" sz="2000"/>
-                    </a:p>
-                  </a:txBody>
-                  <a:tcPr marT="91425" marB="91425" marR="91425" marL="91425" anchor="ctr"/>
-                </a:tc>
-                <a:tc>
-                  <a:txBody>
-                    <a:bodyPr>
-                      <a:noAutofit/>
-                    </a:bodyPr>
-                    <a:lstStyle/>
-                    <a:p>
-                      <a:pPr indent="0" lvl="0" marL="0" algn="ctr">
-                        <a:spcBef>
-                          <a:spcPts val="0"/>
-                        </a:spcBef>
-                        <a:spcAft>
-                          <a:spcPts val="0"/>
-                        </a:spcAft>
-                        <a:buNone/>
-                      </a:pPr>
-                      <a:r>
-                        <a:rPr b="1" lang="es-ES" sz="2000"/>
-                        <a:t>Base de datos utilizada</a:t>
-                      </a:r>
-                      <a:endParaRPr b="1" sz="2000"/>
-                    </a:p>
-                  </a:txBody>
-                  <a:tcPr marT="91425" marB="91425" marR="91425" marL="91425" anchor="ctr"/>
-                </a:tc>
-              </a:tr>
-              <a:tr h="381000">
-                <a:tc>
-                  <a:txBody>
-                    <a:bodyPr>
-                      <a:noAutofit/>
-                    </a:bodyPr>
-                    <a:lstStyle/>
-                    <a:p>
-                      <a:pPr indent="0" lvl="0" marL="0" algn="ctr">
-                        <a:spcBef>
-                          <a:spcPts val="0"/>
-                        </a:spcBef>
-                        <a:spcAft>
-                          <a:spcPts val="0"/>
-                        </a:spcAft>
-                        <a:buNone/>
-                      </a:pPr>
-                      <a:r>
-                        <a:rPr lang="es-ES" sz="1100">
-                          <a:solidFill>
-                            <a:srgbClr val="123654"/>
-                          </a:solidFill>
-                        </a:rPr>
-                        <a:t>Grammatical Facial Expressions Recognition with Machine Learning</a:t>
-                      </a:r>
-                      <a:endParaRPr i="1" sz="1100"/>
-                    </a:p>
-                  </a:txBody>
-                  <a:tcPr marT="91425" marB="91425" marR="91425" marL="91425" anchor="ctr"/>
-                </a:tc>
-                <a:tc>
-                  <a:txBody>
-                    <a:bodyPr>
-                      <a:noAutofit/>
-                    </a:bodyPr>
-                    <a:lstStyle/>
-                    <a:p>
-                      <a:pPr indent="0" lvl="0" marL="0" algn="ctr">
-                        <a:spcBef>
-                          <a:spcPts val="0"/>
-                        </a:spcBef>
-                        <a:spcAft>
-                          <a:spcPts val="0"/>
-                        </a:spcAft>
-                        <a:buNone/>
-                      </a:pPr>
-                      <a:r>
-                        <a:rPr lang="es-ES" sz="1100">
-                          <a:solidFill>
-                            <a:srgbClr val="123654"/>
-                          </a:solidFill>
-                        </a:rPr>
-                        <a:t>FREITAS, F. A. ; Peres, S. M. ; Lima, C. A. M. ; BARBOSA, F. V. </a:t>
-                      </a:r>
-                      <a:endParaRPr sz="1100"/>
-                    </a:p>
-                  </a:txBody>
-                  <a:tcPr marT="91425" marB="91425" marR="91425" marL="91425" anchor="ctr"/>
-                </a:tc>
-                <a:tc>
-                  <a:txBody>
-                    <a:bodyPr>
-                      <a:noAutofit/>
-                    </a:bodyPr>
-                    <a:lstStyle/>
-                    <a:p>
-                      <a:pPr indent="0" lvl="0" marL="0" algn="ctr">
+                      <a:pPr indent="0" lvl="0" marL="0" rtl="0">
                         <a:spcBef>
                           <a:spcPts val="0"/>
                         </a:spcBef>
@@ -24119,381 +25655,47 @@
                       <a:r>
                         <a:t/>
                       </a:r>
-                      <a:endParaRPr sz="1100"/>
+                      <a:endParaRPr/>
                     </a:p>
                   </a:txBody>
-                  <a:tcPr marT="91425" marB="91425" marR="91425" marL="91425" anchor="ctr"/>
-                </a:tc>
-                <a:tc>
-                  <a:txBody>
-                    <a:bodyPr>
-                      <a:noAutofit/>
-                    </a:bodyPr>
-                    <a:lstStyle/>
-                    <a:p>
-                      <a:pPr indent="0" lvl="0" marL="0" algn="ctr">
-                        <a:spcBef>
-                          <a:spcPts val="0"/>
-                        </a:spcBef>
-                        <a:spcAft>
-                          <a:spcPts val="0"/>
-                        </a:spcAft>
-                        <a:buNone/>
-                      </a:pPr>
-                      <a:r>
-                        <a:rPr lang="es-ES" sz="2000">
-                          <a:solidFill>
-                            <a:srgbClr val="123654"/>
-                          </a:solidFill>
-                        </a:rPr>
-                        <a:t>2014</a:t>
-                      </a:r>
-                      <a:endParaRPr sz="2000"/>
-                    </a:p>
-                  </a:txBody>
-                  <a:tcPr marT="91425" marB="91425" marR="91425" marL="91425" anchor="ctr"/>
-                </a:tc>
-                <a:tc>
-                  <a:txBody>
-                    <a:bodyPr>
-                      <a:noAutofit/>
-                    </a:bodyPr>
-                    <a:lstStyle/>
-                    <a:p>
-                      <a:pPr indent="0" lvl="0" marL="0" rtl="0" algn="ctr">
-                        <a:spcBef>
-                          <a:spcPts val="0"/>
-                        </a:spcBef>
-                        <a:spcAft>
-                          <a:spcPts val="0"/>
-                        </a:spcAft>
-                        <a:buClr>
-                          <a:schemeClr val="dk1"/>
-                        </a:buClr>
-                        <a:buSzPts val="1100"/>
-                        <a:buFont typeface="Arial"/>
-                        <a:buNone/>
-                      </a:pPr>
-                      <a:r>
-                        <a:rPr b="1" lang="es-ES" sz="1600" u="sng">
-                          <a:solidFill>
-                            <a:schemeClr val="hlink"/>
-                          </a:solidFill>
-                          <a:hlinkClick r:id="rId3"/>
-                        </a:rPr>
-                        <a:t>G</a:t>
-                      </a:r>
-                      <a:r>
-                        <a:rPr b="1" lang="es-ES" sz="1000" u="sng">
-                          <a:solidFill>
-                            <a:schemeClr val="hlink"/>
-                          </a:solidFill>
-                          <a:hlinkClick r:id="rId4"/>
-                        </a:rPr>
-                        <a:t>rammatical Facial Expressions Data Set</a:t>
-                      </a:r>
-                      <a:r>
-                        <a:rPr lang="es-ES" sz="1000" u="sng">
-                          <a:solidFill>
-                            <a:schemeClr val="hlink"/>
-                          </a:solidFill>
-                          <a:hlinkClick r:id="rId5"/>
-                        </a:rPr>
-                        <a:t> </a:t>
-                      </a:r>
-                      <a:endParaRPr sz="1000">
-                        <a:solidFill>
-                          <a:schemeClr val="dk1"/>
-                        </a:solidFill>
-                      </a:endParaRPr>
-                    </a:p>
-                    <a:p>
-                      <a:pPr indent="0" lvl="0" marL="0" algn="ctr">
-                        <a:spcBef>
-                          <a:spcPts val="0"/>
-                        </a:spcBef>
-                        <a:spcAft>
-                          <a:spcPts val="0"/>
-                        </a:spcAft>
-                        <a:buNone/>
-                      </a:pPr>
-                      <a:r>
-                        <a:t/>
-                      </a:r>
-                      <a:endParaRPr sz="1100"/>
-                    </a:p>
-                  </a:txBody>
-                  <a:tcPr marT="91425" marB="91425" marR="91425" marL="91425" anchor="ctr"/>
-                </a:tc>
-              </a:tr>
-              <a:tr h="381000">
-                <a:tc>
-                  <a:txBody>
-                    <a:bodyPr>
-                      <a:noAutofit/>
-                    </a:bodyPr>
-                    <a:lstStyle/>
-                    <a:p>
-                      <a:pPr indent="0" lvl="0" marL="0" algn="ctr">
-                        <a:spcBef>
-                          <a:spcPts val="0"/>
-                        </a:spcBef>
-                        <a:spcAft>
-                          <a:spcPts val="0"/>
-                        </a:spcAft>
-                        <a:buNone/>
-                      </a:pPr>
-                      <a:r>
-                        <a:t/>
-                      </a:r>
-                      <a:endParaRPr i="1" sz="1100"/>
-                    </a:p>
-                  </a:txBody>
-                  <a:tcPr marT="91425" marB="91425" marR="91425" marL="91425" anchor="ctr"/>
-                </a:tc>
-                <a:tc>
-                  <a:txBody>
-                    <a:bodyPr>
-                      <a:noAutofit/>
-                    </a:bodyPr>
-                    <a:lstStyle/>
-                    <a:p>
-                      <a:pPr indent="0" lvl="0" marL="0" algn="ctr">
-                        <a:spcBef>
-                          <a:spcPts val="0"/>
-                        </a:spcBef>
-                        <a:spcAft>
-                          <a:spcPts val="0"/>
-                        </a:spcAft>
-                        <a:buNone/>
-                      </a:pPr>
-                      <a:r>
-                        <a:t/>
-                      </a:r>
-                      <a:endParaRPr sz="1100"/>
-                    </a:p>
-                  </a:txBody>
-                  <a:tcPr marT="91425" marB="91425" marR="91425" marL="91425" anchor="ctr"/>
-                </a:tc>
-                <a:tc>
-                  <a:txBody>
-                    <a:bodyPr>
-                      <a:noAutofit/>
-                    </a:bodyPr>
-                    <a:lstStyle/>
-                    <a:p>
-                      <a:pPr indent="0" lvl="0" marL="0" algn="ctr">
-                        <a:spcBef>
-                          <a:spcPts val="0"/>
-                        </a:spcBef>
-                        <a:spcAft>
-                          <a:spcPts val="0"/>
-                        </a:spcAft>
-                        <a:buNone/>
-                      </a:pPr>
-                      <a:r>
-                        <a:t/>
-                      </a:r>
-                      <a:endParaRPr sz="1100"/>
-                    </a:p>
-                  </a:txBody>
-                  <a:tcPr marT="91425" marB="91425" marR="91425" marL="91425" anchor="ctr"/>
-                </a:tc>
-                <a:tc>
-                  <a:txBody>
-                    <a:bodyPr>
-                      <a:noAutofit/>
-                    </a:bodyPr>
-                    <a:lstStyle/>
-                    <a:p>
-                      <a:pPr indent="0" lvl="0" marL="0" algn="ctr">
-                        <a:spcBef>
-                          <a:spcPts val="0"/>
-                        </a:spcBef>
-                        <a:spcAft>
-                          <a:spcPts val="0"/>
-                        </a:spcAft>
-                        <a:buNone/>
-                      </a:pPr>
-                      <a:r>
-                        <a:t/>
-                      </a:r>
-                      <a:endParaRPr sz="1100"/>
-                    </a:p>
-                  </a:txBody>
-                  <a:tcPr marT="91425" marB="91425" marR="91425" marL="91425" anchor="ctr"/>
-                </a:tc>
-                <a:tc>
-                  <a:txBody>
-                    <a:bodyPr>
-                      <a:noAutofit/>
-                    </a:bodyPr>
-                    <a:lstStyle/>
-                    <a:p>
-                      <a:pPr indent="0" lvl="0" marL="0" algn="ctr">
-                        <a:spcBef>
-                          <a:spcPts val="0"/>
-                        </a:spcBef>
-                        <a:spcAft>
-                          <a:spcPts val="0"/>
-                        </a:spcAft>
-                        <a:buNone/>
-                      </a:pPr>
-                      <a:r>
-                        <a:t/>
-                      </a:r>
-                      <a:endParaRPr sz="1100"/>
-                    </a:p>
-                  </a:txBody>
-                  <a:tcPr marT="91425" marB="91425" marR="91425" marL="91425" anchor="ctr"/>
-                </a:tc>
-              </a:tr>
-              <a:tr h="381000">
-                <a:tc>
-                  <a:txBody>
-                    <a:bodyPr>
-                      <a:noAutofit/>
-                    </a:bodyPr>
-                    <a:lstStyle/>
-                    <a:p>
-                      <a:pPr indent="0" lvl="0" marL="0" rtl="0" algn="ctr">
-                        <a:spcBef>
-                          <a:spcPts val="0"/>
-                        </a:spcBef>
-                        <a:spcAft>
-                          <a:spcPts val="0"/>
-                        </a:spcAft>
-                        <a:buNone/>
-                      </a:pPr>
-                      <a:r>
-                        <a:t/>
-                      </a:r>
-                      <a:endParaRPr i="1" sz="1100"/>
-                    </a:p>
-                  </a:txBody>
-                  <a:tcPr marT="91425" marB="91425" marR="91425" marL="91425" anchor="ctr"/>
-                </a:tc>
-                <a:tc>
-                  <a:txBody>
-                    <a:bodyPr>
-                      <a:noAutofit/>
-                    </a:bodyPr>
-                    <a:lstStyle/>
-                    <a:p>
-                      <a:pPr indent="0" lvl="0" marL="0" algn="ctr">
-                        <a:spcBef>
-                          <a:spcPts val="0"/>
-                        </a:spcBef>
-                        <a:spcAft>
-                          <a:spcPts val="0"/>
-                        </a:spcAft>
-                        <a:buNone/>
-                      </a:pPr>
-                      <a:r>
-                        <a:t/>
-                      </a:r>
-                      <a:endParaRPr sz="1100"/>
-                    </a:p>
-                  </a:txBody>
-                  <a:tcPr marT="91425" marB="91425" marR="91425" marL="91425" anchor="ctr"/>
-                </a:tc>
-                <a:tc>
-                  <a:txBody>
-                    <a:bodyPr>
-                      <a:noAutofit/>
-                    </a:bodyPr>
-                    <a:lstStyle/>
-                    <a:p>
-                      <a:pPr indent="0" lvl="0" marL="0" algn="ctr">
-                        <a:spcBef>
-                          <a:spcPts val="0"/>
-                        </a:spcBef>
-                        <a:spcAft>
-                          <a:spcPts val="0"/>
-                        </a:spcAft>
-                        <a:buNone/>
-                      </a:pPr>
-                      <a:r>
-                        <a:t/>
-                      </a:r>
-                      <a:endParaRPr sz="1100"/>
-                    </a:p>
-                  </a:txBody>
-                  <a:tcPr marT="91425" marB="91425" marR="91425" marL="91425" anchor="ctr"/>
-                </a:tc>
-                <a:tc>
-                  <a:txBody>
-                    <a:bodyPr>
-                      <a:noAutofit/>
-                    </a:bodyPr>
-                    <a:lstStyle/>
-                    <a:p>
-                      <a:pPr indent="0" lvl="0" marL="0" algn="ctr">
-                        <a:spcBef>
-                          <a:spcPts val="0"/>
-                        </a:spcBef>
-                        <a:spcAft>
-                          <a:spcPts val="0"/>
-                        </a:spcAft>
-                        <a:buNone/>
-                      </a:pPr>
-                      <a:r>
-                        <a:t/>
-                      </a:r>
-                      <a:endParaRPr sz="1100"/>
-                    </a:p>
-                  </a:txBody>
-                  <a:tcPr marT="91425" marB="91425" marR="91425" marL="91425" anchor="ctr"/>
-                </a:tc>
-                <a:tc>
-                  <a:txBody>
-                    <a:bodyPr>
-                      <a:noAutofit/>
-                    </a:bodyPr>
-                    <a:lstStyle/>
-                    <a:p>
-                      <a:pPr indent="0" lvl="0" marL="0" algn="ctr">
-                        <a:spcBef>
-                          <a:spcPts val="0"/>
-                        </a:spcBef>
-                        <a:spcAft>
-                          <a:spcPts val="0"/>
-                        </a:spcAft>
-                        <a:buNone/>
-                      </a:pPr>
-                      <a:r>
-                        <a:t/>
-                      </a:r>
-                      <a:endParaRPr sz="1100"/>
-                    </a:p>
-                  </a:txBody>
-                  <a:tcPr marT="91425" marB="91425" marR="91425" marL="91425" anchor="ctr"/>
-                </a:tc>
-              </a:tr>
-              <a:tr h="381000">
-                <a:tc>
-                  <a:txBody>
-                    <a:bodyPr>
-                      <a:noAutofit/>
-                    </a:bodyPr>
-                    <a:lstStyle/>
-                    <a:p>
-                      <a:pPr indent="0" lvl="0" marL="0" rtl="0" algn="ctr">
-                        <a:spcBef>
-                          <a:spcPts val="0"/>
-                        </a:spcBef>
-                        <a:spcAft>
-                          <a:spcPts val="0"/>
-                        </a:spcAft>
-                        <a:buNone/>
-                      </a:pPr>
-                      <a:r>
-                        <a:t/>
-                      </a:r>
-                      <a:endParaRPr i="1" sz="1100"/>
-                    </a:p>
-                  </a:txBody>
-                  <a:tcPr marT="91425" marB="91425" marR="91425" marL="91425" anchor="ctr"/>
+                  <a:tcPr marT="19050" marB="19050" marR="28575" marL="28575" anchor="ctr">
+                    <a:lnL cap="flat" cmpd="sng" w="9525">
+                      <a:solidFill>
+                        <a:srgbClr val="000000"/>
+                      </a:solidFill>
+                      <a:prstDash val="solid"/>
+                      <a:round/>
+                      <a:headEnd len="sm" w="sm" type="none"/>
+                      <a:tailEnd len="sm" w="sm" type="none"/>
+                    </a:lnL>
+                    <a:lnR cap="flat" cmpd="sng" w="9525">
+                      <a:solidFill>
+                        <a:srgbClr val="000000"/>
+                      </a:solidFill>
+                      <a:prstDash val="solid"/>
+                      <a:round/>
+                      <a:headEnd len="sm" w="sm" type="none"/>
+                      <a:tailEnd len="sm" w="sm" type="none"/>
+                    </a:lnR>
+                    <a:lnT cap="flat" cmpd="sng" w="9525">
+                      <a:solidFill>
+                        <a:srgbClr val="000000"/>
+                      </a:solidFill>
+                      <a:prstDash val="solid"/>
+                      <a:round/>
+                      <a:headEnd len="sm" w="sm" type="none"/>
+                      <a:tailEnd len="sm" w="sm" type="none"/>
+                    </a:lnT>
+                    <a:lnB cap="flat" cmpd="sng" w="9525">
+                      <a:solidFill>
+                        <a:srgbClr val="000000"/>
+                      </a:solidFill>
+                      <a:prstDash val="solid"/>
+                      <a:round/>
+                      <a:headEnd len="sm" w="sm" type="none"/>
+                      <a:tailEnd len="sm" w="sm" type="none"/>
+                    </a:lnB>
+                  </a:tcPr>
                 </a:tc>
                 <a:tc>
                   <a:txBody>
@@ -24512,12 +25714,50 @@
                         <a:buNone/>
                       </a:pPr>
                       <a:r>
-                        <a:t/>
+                        <a:rPr lang="es-ES"/>
+                        <a:t>Zhengyou Zhang;Michael Lyons; Michael Schuster; Shigeru Akamatsu</a:t>
                       </a:r>
-                      <a:endParaRPr sz="1100"/>
+                      <a:endParaRPr/>
                     </a:p>
                   </a:txBody>
-                  <a:tcPr marT="91425" marB="91425" marR="91425" marL="91425" anchor="ctr"/>
+                  <a:tcPr marT="19050" marB="19050" marR="28575" marL="28575" anchor="ctr">
+                    <a:lnL cap="flat" cmpd="sng" w="9525">
+                      <a:solidFill>
+                        <a:srgbClr val="000000"/>
+                      </a:solidFill>
+                      <a:prstDash val="solid"/>
+                      <a:round/>
+                      <a:headEnd len="sm" w="sm" type="none"/>
+                      <a:tailEnd len="sm" w="sm" type="none"/>
+                    </a:lnL>
+                    <a:lnR cap="flat" cmpd="sng" w="9525">
+                      <a:solidFill>
+                        <a:srgbClr val="000000"/>
+                      </a:solidFill>
+                      <a:prstDash val="solid"/>
+                      <a:round/>
+                      <a:headEnd len="sm" w="sm" type="none"/>
+                      <a:tailEnd len="sm" w="sm" type="none"/>
+                    </a:lnR>
+                    <a:lnT cap="flat" cmpd="sng" w="9525">
+                      <a:solidFill>
+                        <a:srgbClr val="000000"/>
+                      </a:solidFill>
+                      <a:prstDash val="solid"/>
+                      <a:round/>
+                      <a:headEnd len="sm" w="sm" type="none"/>
+                      <a:tailEnd len="sm" w="sm" type="none"/>
+                    </a:lnT>
+                    <a:lnB cap="flat" cmpd="sng" w="9525">
+                      <a:solidFill>
+                        <a:srgbClr val="000000"/>
+                      </a:solidFill>
+                      <a:prstDash val="solid"/>
+                      <a:round/>
+                      <a:headEnd len="sm" w="sm" type="none"/>
+                      <a:tailEnd len="sm" w="sm" type="none"/>
+                    </a:lnB>
+                  </a:tcPr>
                 </a:tc>
                 <a:tc>
                   <a:txBody>
@@ -24533,24 +25773,42 @@
                         <a:spcAft>
                           <a:spcPts val="0"/>
                         </a:spcAft>
+                        <a:buClr>
+                          <a:schemeClr val="dk1"/>
+                        </a:buClr>
+                        <a:buSzPts val="1100"/>
+                        <a:buFont typeface="Arial"/>
                         <a:buNone/>
                       </a:pPr>
                       <a:r>
-                        <a:t/>
+                        <a:rPr lang="es-ES"/>
+                        <a:t>two layer</a:t>
                       </a:r>
-                      <a:endParaRPr sz="1100"/>
+                      <a:endParaRPr/>
                     </a:p>
-                  </a:txBody>
-                  <a:tcPr marT="91425" marB="91425" marR="91425" marL="91425" anchor="ctr"/>
-                </a:tc>
-                <a:tc>
-                  <a:txBody>
-                    <a:bodyPr>
-                      <a:noAutofit/>
-                    </a:bodyPr>
-                    <a:lstStyle/>
                     <a:p>
                       <a:pPr indent="0" lvl="0" marL="0" algn="ctr">
+                        <a:spcBef>
+                          <a:spcPts val="0"/>
+                        </a:spcBef>
+                        <a:spcAft>
+                          <a:spcPts val="0"/>
+                        </a:spcAft>
+                        <a:buClr>
+                          <a:schemeClr val="dk1"/>
+                        </a:buClr>
+                        <a:buSzPts val="1100"/>
+                        <a:buFont typeface="Arial"/>
+                        <a:buNone/>
+                      </a:pPr>
+                      <a:r>
+                        <a:rPr lang="es-ES"/>
+                        <a:t>perceptron</a:t>
+                      </a:r>
+                      <a:endParaRPr/>
+                    </a:p>
+                    <a:p>
+                      <a:pPr indent="0" lvl="0" marL="0" rtl="0">
                         <a:spcBef>
                           <a:spcPts val="0"/>
                         </a:spcBef>
@@ -24562,10 +25820,47 @@
                       <a:r>
                         <a:t/>
                       </a:r>
-                      <a:endParaRPr sz="1100"/>
+                      <a:endParaRPr/>
                     </a:p>
                   </a:txBody>
-                  <a:tcPr marT="91425" marB="91425" marR="91425" marL="91425" anchor="ctr"/>
+                  <a:tcPr marT="19050" marB="19050" marR="28575" marL="28575" anchor="ctr">
+                    <a:lnL cap="flat" cmpd="sng" w="9525">
+                      <a:solidFill>
+                        <a:srgbClr val="000000"/>
+                      </a:solidFill>
+                      <a:prstDash val="solid"/>
+                      <a:round/>
+                      <a:headEnd len="sm" w="sm" type="none"/>
+                      <a:tailEnd len="sm" w="sm" type="none"/>
+                    </a:lnL>
+                    <a:lnR cap="flat" cmpd="sng" w="9525">
+                      <a:solidFill>
+                        <a:srgbClr val="000000"/>
+                      </a:solidFill>
+                      <a:prstDash val="solid"/>
+                      <a:round/>
+                      <a:headEnd len="sm" w="sm" type="none"/>
+                      <a:tailEnd len="sm" w="sm" type="none"/>
+                    </a:lnR>
+                    <a:lnT cap="flat" cmpd="sng" w="9525">
+                      <a:solidFill>
+                        <a:srgbClr val="000000"/>
+                      </a:solidFill>
+                      <a:prstDash val="solid"/>
+                      <a:round/>
+                      <a:headEnd len="sm" w="sm" type="none"/>
+                      <a:tailEnd len="sm" w="sm" type="none"/>
+                    </a:lnT>
+                    <a:lnB cap="flat" cmpd="sng" w="9525">
+                      <a:solidFill>
+                        <a:srgbClr val="000000"/>
+                      </a:solidFill>
+                      <a:prstDash val="solid"/>
+                      <a:round/>
+                      <a:headEnd len="sm" w="sm" type="none"/>
+                      <a:tailEnd len="sm" w="sm" type="none"/>
+                    </a:lnB>
+                  </a:tcPr>
                 </a:tc>
                 <a:tc>
                   <a:txBody>
@@ -24584,12 +25879,195 @@
                         <a:buNone/>
                       </a:pPr>
                       <a:r>
-                        <a:t/>
+                        <a:rPr lang="es-ES" sz="1100"/>
+                        <a:t>1998</a:t>
+                      </a:r>
+                      <a:endParaRPr/>
+                    </a:p>
+                  </a:txBody>
+                  <a:tcPr marT="19050" marB="19050" marR="28575" marL="28575" anchor="ctr">
+                    <a:lnL cap="flat" cmpd="sng" w="9525">
+                      <a:solidFill>
+                        <a:srgbClr val="000000"/>
+                      </a:solidFill>
+                      <a:prstDash val="solid"/>
+                      <a:round/>
+                      <a:headEnd len="sm" w="sm" type="none"/>
+                      <a:tailEnd len="sm" w="sm" type="none"/>
+                    </a:lnL>
+                    <a:lnR cap="flat" cmpd="sng" w="9525">
+                      <a:solidFill>
+                        <a:srgbClr val="000000"/>
+                      </a:solidFill>
+                      <a:prstDash val="solid"/>
+                      <a:round/>
+                      <a:headEnd len="sm" w="sm" type="none"/>
+                      <a:tailEnd len="sm" w="sm" type="none"/>
+                    </a:lnR>
+                    <a:lnT cap="flat" cmpd="sng" w="9525">
+                      <a:solidFill>
+                        <a:srgbClr val="000000"/>
+                      </a:solidFill>
+                      <a:prstDash val="solid"/>
+                      <a:round/>
+                      <a:headEnd len="sm" w="sm" type="none"/>
+                      <a:tailEnd len="sm" w="sm" type="none"/>
+                    </a:lnT>
+                    <a:lnB cap="flat" cmpd="sng" w="9525">
+                      <a:solidFill>
+                        <a:srgbClr val="000000"/>
+                      </a:solidFill>
+                      <a:prstDash val="solid"/>
+                      <a:round/>
+                      <a:headEnd len="sm" w="sm" type="none"/>
+                      <a:tailEnd len="sm" w="sm" type="none"/>
+                    </a:lnB>
+                  </a:tcPr>
+                </a:tc>
+                <a:tc>
+                  <a:txBody>
+                    <a:bodyPr>
+                      <a:noAutofit/>
+                    </a:bodyPr>
+                    <a:lstStyle/>
+                    <a:p>
+                      <a:pPr indent="0" lvl="0" marL="0" rtl="0" algn="ctr">
+                        <a:spcBef>
+                          <a:spcPts val="0"/>
+                        </a:spcBef>
+                        <a:spcAft>
+                          <a:spcPts val="0"/>
+                        </a:spcAft>
+                        <a:buNone/>
+                      </a:pPr>
+                      <a:r>
+                        <a:rPr lang="es-ES" sz="1100"/>
+                        <a:t>213</a:t>
+                      </a:r>
+                      <a:br>
+                        <a:rPr lang="es-ES" sz="1100"/>
+                      </a:br>
+                      <a:r>
+                        <a:rPr lang="es-ES" sz="1100"/>
+                        <a:t>images of female facial expressions.</a:t>
                       </a:r>
                       <a:endParaRPr sz="1100"/>
                     </a:p>
                   </a:txBody>
-                  <a:tcPr marT="91425" marB="91425" marR="91425" marL="91425" anchor="ctr"/>
+                  <a:tcPr marT="19050" marB="19050" marR="28575" marL="28575" anchor="ctr">
+                    <a:lnL cap="flat" cmpd="sng" w="9525">
+                      <a:solidFill>
+                        <a:srgbClr val="000000"/>
+                      </a:solidFill>
+                      <a:prstDash val="solid"/>
+                      <a:round/>
+                      <a:headEnd len="sm" w="sm" type="none"/>
+                      <a:tailEnd len="sm" w="sm" type="none"/>
+                    </a:lnL>
+                    <a:lnR cap="flat" cmpd="sng" w="9525">
+                      <a:solidFill>
+                        <a:srgbClr val="000000"/>
+                      </a:solidFill>
+                      <a:prstDash val="solid"/>
+                      <a:round/>
+                      <a:headEnd len="sm" w="sm" type="none"/>
+                      <a:tailEnd len="sm" w="sm" type="none"/>
+                    </a:lnR>
+                    <a:lnT cap="flat" cmpd="sng" w="9525">
+                      <a:solidFill>
+                        <a:srgbClr val="000000"/>
+                      </a:solidFill>
+                      <a:prstDash val="solid"/>
+                      <a:round/>
+                      <a:headEnd len="sm" w="sm" type="none"/>
+                      <a:tailEnd len="sm" w="sm" type="none"/>
+                    </a:lnT>
+                    <a:lnB cap="flat" cmpd="sng" w="9525">
+                      <a:solidFill>
+                        <a:srgbClr val="000000"/>
+                      </a:solidFill>
+                      <a:prstDash val="solid"/>
+                      <a:round/>
+                      <a:headEnd len="sm" w="sm" type="none"/>
+                      <a:tailEnd len="sm" w="sm" type="none"/>
+                    </a:lnB>
+                  </a:tcPr>
+                </a:tc>
+                <a:tc>
+                  <a:txBody>
+                    <a:bodyPr>
+                      <a:noAutofit/>
+                    </a:bodyPr>
+                    <a:lstStyle/>
+                    <a:p>
+                      <a:pPr indent="0" lvl="0" marL="0" rtl="0">
+                        <a:spcBef>
+                          <a:spcPts val="0"/>
+                        </a:spcBef>
+                        <a:spcAft>
+                          <a:spcPts val="0"/>
+                        </a:spcAft>
+                        <a:buNone/>
+                      </a:pPr>
+                      <a:r>
+                        <a:rPr lang="es-ES" sz="1100"/>
+                        <a:t>Comparison of the recognition performance with different</a:t>
+                      </a:r>
+                      <a:br>
+                        <a:rPr lang="es-ES" sz="1100"/>
+                      </a:br>
+                      <a:r>
+                        <a:rPr lang="es-ES" sz="1100"/>
+                        <a:t>types of features shows that Gabor wavelet coefficients are</a:t>
+                      </a:r>
+                      <a:br>
+                        <a:rPr lang="es-ES" sz="1100"/>
+                      </a:br>
+                      <a:r>
+                        <a:rPr lang="es-ES" sz="1100"/>
+                        <a:t>much more powerful than geometric positions</a:t>
+                      </a:r>
+                      <a:endParaRPr sz="1100"/>
+                    </a:p>
+                  </a:txBody>
+                  <a:tcPr marT="19050" marB="19050" marR="28575" marL="28575" anchor="ctr">
+                    <a:lnL cap="flat" cmpd="sng" w="9525">
+                      <a:solidFill>
+                        <a:srgbClr val="000000"/>
+                      </a:solidFill>
+                      <a:prstDash val="solid"/>
+                      <a:round/>
+                      <a:headEnd len="sm" w="sm" type="none"/>
+                      <a:tailEnd len="sm" w="sm" type="none"/>
+                    </a:lnL>
+                    <a:lnR cap="flat" cmpd="sng" w="9525">
+                      <a:solidFill>
+                        <a:srgbClr val="000000"/>
+                      </a:solidFill>
+                      <a:prstDash val="solid"/>
+                      <a:round/>
+                      <a:headEnd len="sm" w="sm" type="none"/>
+                      <a:tailEnd len="sm" w="sm" type="none"/>
+                    </a:lnR>
+                    <a:lnT cap="flat" cmpd="sng" w="9525">
+                      <a:solidFill>
+                        <a:srgbClr val="000000"/>
+                      </a:solidFill>
+                      <a:prstDash val="solid"/>
+                      <a:round/>
+                      <a:headEnd len="sm" w="sm" type="none"/>
+                      <a:tailEnd len="sm" w="sm" type="none"/>
+                    </a:lnT>
+                    <a:lnB cap="flat" cmpd="sng" w="9525">
+                      <a:solidFill>
+                        <a:srgbClr val="000000"/>
+                      </a:solidFill>
+                      <a:prstDash val="solid"/>
+                      <a:round/>
+                      <a:headEnd len="sm" w="sm" type="none"/>
+                      <a:tailEnd len="sm" w="sm" type="none"/>
+                    </a:lnB>
+                  </a:tcPr>
                 </a:tc>
               </a:tr>
             </a:tbl>
@@ -24661,45 +26139,6 @@
           </a:p>
         </p:txBody>
       </p:sp>
-      <p:sp>
-        <p:nvSpPr>
-          <p:cNvPr id="180" name="Shape 180"/>
-          <p:cNvSpPr txBox="1"/>
-          <p:nvPr>
-            <p:ph idx="1" type="body"/>
-          </p:nvPr>
-        </p:nvSpPr>
-        <p:spPr>
-          <a:xfrm>
-            <a:off x="6756110" y="520949"/>
-            <a:ext cx="10018800" cy="3124200"/>
-          </a:xfrm>
-          <a:prstGeom prst="rect">
-            <a:avLst/>
-          </a:prstGeom>
-        </p:spPr>
-        <p:txBody>
-          <a:bodyPr anchorCtr="0" anchor="ctr" bIns="91425" lIns="91425" spcFirstLastPara="1" rIns="91425" wrap="square" tIns="91425">
-            <a:noAutofit/>
-          </a:bodyPr>
-          <a:lstStyle/>
-          <a:p>
-            <a:pPr indent="0" lvl="0" marL="0" algn="ctr">
-              <a:spcBef>
-                <a:spcPts val="480"/>
-              </a:spcBef>
-              <a:spcAft>
-                <a:spcPts val="600"/>
-              </a:spcAft>
-              <a:buNone/>
-            </a:pPr>
-            <a:r>
-              <a:t/>
-            </a:r>
-            <a:endParaRPr/>
-          </a:p>
-        </p:txBody>
-      </p:sp>
     </p:spTree>
   </p:cSld>
   <p:clrMapOvr>
@@ -24709,6 +26148,285 @@
 </file>
 
 <file path=ppt/theme/theme1.xml><?xml version="1.0" encoding="utf-8"?>
+<a:theme xmlns:a="http://schemas.openxmlformats.org/drawingml/2006/main" xmlns:r="http://schemas.openxmlformats.org/officeDocument/2006/relationships" name="Parallax">
+  <a:themeElements>
+    <a:clrScheme name="Parallax">
+      <a:dk1>
+        <a:srgbClr val="000000"/>
+      </a:dk1>
+      <a:lt1>
+        <a:srgbClr val="FFFFFF"/>
+      </a:lt1>
+      <a:dk2>
+        <a:srgbClr val="212121"/>
+      </a:dk2>
+      <a:lt2>
+        <a:srgbClr val="CDD0D1"/>
+      </a:lt2>
+      <a:accent1>
+        <a:srgbClr val="8BB434"/>
+      </a:accent1>
+      <a:accent2>
+        <a:srgbClr val="33A583"/>
+      </a:accent2>
+      <a:accent3>
+        <a:srgbClr val="3594B4"/>
+      </a:accent3>
+      <a:accent4>
+        <a:srgbClr val="6063B4"/>
+      </a:accent4>
+      <a:accent5>
+        <a:srgbClr val="D35731"/>
+      </a:accent5>
+      <a:accent6>
+        <a:srgbClr val="EBAC4B"/>
+      </a:accent6>
+      <a:hlink>
+        <a:srgbClr val="65AD30"/>
+      </a:hlink>
+      <a:folHlink>
+        <a:srgbClr val="8ED25B"/>
+      </a:folHlink>
+    </a:clrScheme>
+    <a:fontScheme name="Office">
+      <a:majorFont>
+        <a:latin typeface="Arial"/>
+        <a:ea typeface=""/>
+        <a:cs typeface=""/>
+        <a:font script="Jpan" typeface="ＭＳ Ｐゴシック"/>
+        <a:font script="Hang" typeface="맑은 고딕"/>
+        <a:font script="Hans" typeface="宋体"/>
+        <a:font script="Hant" typeface="新細明體"/>
+        <a:font script="Arab" typeface="Times New Roman"/>
+        <a:font script="Hebr" typeface="Times New Roman"/>
+        <a:font script="Thai" typeface="Angsana New"/>
+        <a:font script="Ethi" typeface="Nyala"/>
+        <a:font script="Beng" typeface="Vrinda"/>
+        <a:font script="Gujr" typeface="Shruti"/>
+        <a:font script="Khmr" typeface="MoolBoran"/>
+        <a:font script="Knda" typeface="Tunga"/>
+        <a:font script="Guru" typeface="Raavi"/>
+        <a:font script="Cans" typeface="Euphemia"/>
+        <a:font script="Cher" typeface="Plantagenet Cherokee"/>
+        <a:font script="Yiii" typeface="Microsoft Yi Baiti"/>
+        <a:font script="Tibt" typeface="Microsoft Himalaya"/>
+        <a:font script="Thaa" typeface="MV Boli"/>
+        <a:font script="Deva" typeface="Mangal"/>
+        <a:font script="Telu" typeface="Gautami"/>
+        <a:font script="Taml" typeface="Latha"/>
+        <a:font script="Syrc" typeface="Estrangelo Edessa"/>
+        <a:font script="Orya" typeface="Kalinga"/>
+        <a:font script="Mlym" typeface="Kartika"/>
+        <a:font script="Laoo" typeface="DokChampa"/>
+        <a:font script="Sinh" typeface="Iskoola Pota"/>
+        <a:font script="Mong" typeface="Mongolian Baiti"/>
+        <a:font script="Viet" typeface="Times New Roman"/>
+        <a:font script="Uigh" typeface="Microsoft Uighur"/>
+        <a:font script="Geor" typeface="Sylfaen"/>
+      </a:majorFont>
+      <a:minorFont>
+        <a:latin typeface="Arial"/>
+        <a:ea typeface=""/>
+        <a:cs typeface=""/>
+        <a:font script="Jpan" typeface="ＭＳ Ｐゴシック"/>
+        <a:font script="Hang" typeface="맑은 고딕"/>
+        <a:font script="Hans" typeface="宋体"/>
+        <a:font script="Hant" typeface="新細明體"/>
+        <a:font script="Arab" typeface="Arial"/>
+        <a:font script="Hebr" typeface="Arial"/>
+        <a:font script="Thai" typeface="Cordia New"/>
+        <a:font script="Ethi" typeface="Nyala"/>
+        <a:font script="Beng" typeface="Vrinda"/>
+        <a:font script="Gujr" typeface="Shruti"/>
+        <a:font script="Khmr" typeface="DaunPenh"/>
+        <a:font script="Knda" typeface="Tunga"/>
+        <a:font script="Guru" typeface="Raavi"/>
+        <a:font script="Cans" typeface="Euphemia"/>
+        <a:font script="Cher" typeface="Plantagenet Cherokee"/>
+        <a:font script="Yiii" typeface="Microsoft Yi Baiti"/>
+        <a:font script="Tibt" typeface="Microsoft Himalaya"/>
+        <a:font script="Thaa" typeface="MV Boli"/>
+        <a:font script="Deva" typeface="Mangal"/>
+        <a:font script="Telu" typeface="Gautami"/>
+        <a:font script="Taml" typeface="Latha"/>
+        <a:font script="Syrc" typeface="Estrangelo Edessa"/>
+        <a:font script="Orya" typeface="Kalinga"/>
+        <a:font script="Mlym" typeface="Kartika"/>
+        <a:font script="Laoo" typeface="DokChampa"/>
+        <a:font script="Sinh" typeface="Iskoola Pota"/>
+        <a:font script="Mong" typeface="Mongolian Baiti"/>
+        <a:font script="Viet" typeface="Arial"/>
+        <a:font script="Uigh" typeface="Microsoft Uighur"/>
+        <a:font script="Geor" typeface="Sylfaen"/>
+      </a:minorFont>
+    </a:fontScheme>
+    <a:fmtScheme name="Office">
+      <a:fillStyleLst>
+        <a:solidFill>
+          <a:schemeClr val="phClr"/>
+        </a:solidFill>
+        <a:gradFill rotWithShape="1">
+          <a:gsLst>
+            <a:gs pos="0">
+              <a:schemeClr val="phClr">
+                <a:tint val="50000"/>
+                <a:satMod val="300000"/>
+              </a:schemeClr>
+            </a:gs>
+            <a:gs pos="35000">
+              <a:schemeClr val="phClr">
+                <a:tint val="37000"/>
+                <a:satMod val="300000"/>
+              </a:schemeClr>
+            </a:gs>
+            <a:gs pos="100000">
+              <a:schemeClr val="phClr">
+                <a:tint val="15000"/>
+                <a:satMod val="350000"/>
+              </a:schemeClr>
+            </a:gs>
+          </a:gsLst>
+          <a:lin ang="16200000" scaled="1"/>
+        </a:gradFill>
+        <a:gradFill rotWithShape="1">
+          <a:gsLst>
+            <a:gs pos="0">
+              <a:schemeClr val="phClr">
+                <a:tint val="100000"/>
+                <a:shade val="100000"/>
+                <a:satMod val="130000"/>
+              </a:schemeClr>
+            </a:gs>
+            <a:gs pos="100000">
+              <a:schemeClr val="phClr">
+                <a:tint val="50000"/>
+                <a:shade val="100000"/>
+                <a:satMod val="350000"/>
+              </a:schemeClr>
+            </a:gs>
+          </a:gsLst>
+          <a:lin ang="16200000" scaled="0"/>
+        </a:gradFill>
+      </a:fillStyleLst>
+      <a:lnStyleLst>
+        <a:ln w="9525" cap="flat" cmpd="sng" algn="ctr">
+          <a:solidFill>
+            <a:schemeClr val="phClr">
+              <a:shade val="95000"/>
+              <a:satMod val="105000"/>
+            </a:schemeClr>
+          </a:solidFill>
+          <a:prstDash val="solid"/>
+        </a:ln>
+        <a:ln w="25400" cap="flat" cmpd="sng" algn="ctr">
+          <a:solidFill>
+            <a:schemeClr val="phClr"/>
+          </a:solidFill>
+          <a:prstDash val="solid"/>
+        </a:ln>
+        <a:ln w="38100" cap="flat" cmpd="sng" algn="ctr">
+          <a:solidFill>
+            <a:schemeClr val="phClr"/>
+          </a:solidFill>
+          <a:prstDash val="solid"/>
+        </a:ln>
+      </a:lnStyleLst>
+      <a:effectStyleLst>
+        <a:effectStyle>
+          <a:effectLst>
+            <a:outerShdw blurRad="40000" dist="20000" dir="5400000" rotWithShape="0">
+              <a:srgbClr val="000000">
+                <a:alpha val="38000"/>
+              </a:srgbClr>
+            </a:outerShdw>
+          </a:effectLst>
+        </a:effectStyle>
+        <a:effectStyle>
+          <a:effectLst>
+            <a:outerShdw blurRad="40000" dist="23000" dir="5400000" rotWithShape="0">
+              <a:srgbClr val="000000">
+                <a:alpha val="35000"/>
+              </a:srgbClr>
+            </a:outerShdw>
+          </a:effectLst>
+        </a:effectStyle>
+        <a:effectStyle>
+          <a:effectLst>
+            <a:outerShdw blurRad="40000" dist="23000" dir="5400000" rotWithShape="0">
+              <a:srgbClr val="000000">
+                <a:alpha val="35000"/>
+              </a:srgbClr>
+            </a:outerShdw>
+          </a:effectLst>
+          <a:scene3d>
+            <a:camera prst="orthographicFront">
+              <a:rot lat="0" lon="0" rev="0"/>
+            </a:camera>
+            <a:lightRig rig="threePt" dir="t">
+              <a:rot lat="0" lon="0" rev="1200000"/>
+            </a:lightRig>
+          </a:scene3d>
+          <a:sp3d>
+            <a:bevelT w="63500" h="25400"/>
+          </a:sp3d>
+        </a:effectStyle>
+      </a:effectStyleLst>
+      <a:bgFillStyleLst>
+        <a:solidFill>
+          <a:schemeClr val="phClr"/>
+        </a:solidFill>
+        <a:gradFill rotWithShape="1">
+          <a:gsLst>
+            <a:gs pos="0">
+              <a:schemeClr val="phClr">
+                <a:tint val="40000"/>
+                <a:satMod val="350000"/>
+              </a:schemeClr>
+            </a:gs>
+            <a:gs pos="40000">
+              <a:schemeClr val="phClr">
+                <a:tint val="45000"/>
+                <a:shade val="99000"/>
+                <a:satMod val="350000"/>
+              </a:schemeClr>
+            </a:gs>
+            <a:gs pos="100000">
+              <a:schemeClr val="phClr">
+                <a:shade val="20000"/>
+                <a:satMod val="255000"/>
+              </a:schemeClr>
+            </a:gs>
+          </a:gsLst>
+          <a:path path="circle">
+            <a:fillToRect l="50000" t="-80000" r="50000" b="180000"/>
+          </a:path>
+        </a:gradFill>
+        <a:gradFill rotWithShape="1">
+          <a:gsLst>
+            <a:gs pos="0">
+              <a:schemeClr val="phClr">
+                <a:tint val="80000"/>
+                <a:satMod val="300000"/>
+              </a:schemeClr>
+            </a:gs>
+            <a:gs pos="100000">
+              <a:schemeClr val="phClr">
+                <a:shade val="30000"/>
+                <a:satMod val="200000"/>
+              </a:schemeClr>
+            </a:gs>
+          </a:gsLst>
+          <a:path path="circle">
+            <a:fillToRect l="50000" t="50000" r="50000" b="50000"/>
+          </a:path>
+        </a:gradFill>
+      </a:bgFillStyleLst>
+    </a:fmtScheme>
+  </a:themeElements>
+</a:theme>
+</file>
+
+<file path=ppt/theme/theme2.xml><?xml version="1.0" encoding="utf-8"?>
 <a:theme xmlns:a="http://schemas.openxmlformats.org/drawingml/2006/main" xmlns:r="http://schemas.openxmlformats.org/officeDocument/2006/relationships">
   <a:themeElements>
     <a:clrScheme name="Default">
@@ -24985,283 +26703,4 @@
     </a:fmtScheme>
   </a:themeElements>
 </a:theme>
-</file>
-
-<file path=ppt/theme/theme2.xml><?xml version="1.0" encoding="utf-8"?>
-<a:theme xmlns:a="http://schemas.openxmlformats.org/drawingml/2006/main" xmlns:r="http://schemas.openxmlformats.org/officeDocument/2006/relationships" name="Parallax">
-  <a:themeElements>
-    <a:clrScheme name="Parallax">
-      <a:dk1>
-        <a:srgbClr val="000000"/>
-      </a:dk1>
-      <a:lt1>
-        <a:srgbClr val="FFFFFF"/>
-      </a:lt1>
-      <a:dk2>
-        <a:srgbClr val="212121"/>
-      </a:dk2>
-      <a:lt2>
-        <a:srgbClr val="CDD0D1"/>
-      </a:lt2>
-      <a:accent1>
-        <a:srgbClr val="8BB434"/>
-      </a:accent1>
-      <a:accent2>
-        <a:srgbClr val="33A583"/>
-      </a:accent2>
-      <a:accent3>
-        <a:srgbClr val="3594B4"/>
-      </a:accent3>
-      <a:accent4>
-        <a:srgbClr val="6063B4"/>
-      </a:accent4>
-      <a:accent5>
-        <a:srgbClr val="D35731"/>
-      </a:accent5>
-      <a:accent6>
-        <a:srgbClr val="EBAC4B"/>
-      </a:accent6>
-      <a:hlink>
-        <a:srgbClr val="65AD30"/>
-      </a:hlink>
-      <a:folHlink>
-        <a:srgbClr val="8ED25B"/>
-      </a:folHlink>
-    </a:clrScheme>
-    <a:fontScheme name="Office">
-      <a:majorFont>
-        <a:latin typeface="Arial"/>
-        <a:ea typeface=""/>
-        <a:cs typeface=""/>
-        <a:font script="Jpan" typeface="ＭＳ Ｐゴシック"/>
-        <a:font script="Hang" typeface="맑은 고딕"/>
-        <a:font script="Hans" typeface="宋体"/>
-        <a:font script="Hant" typeface="新細明體"/>
-        <a:font script="Arab" typeface="Times New Roman"/>
-        <a:font script="Hebr" typeface="Times New Roman"/>
-        <a:font script="Thai" typeface="Angsana New"/>
-        <a:font script="Ethi" typeface="Nyala"/>
-        <a:font script="Beng" typeface="Vrinda"/>
-        <a:font script="Gujr" typeface="Shruti"/>
-        <a:font script="Khmr" typeface="MoolBoran"/>
-        <a:font script="Knda" typeface="Tunga"/>
-        <a:font script="Guru" typeface="Raavi"/>
-        <a:font script="Cans" typeface="Euphemia"/>
-        <a:font script="Cher" typeface="Plantagenet Cherokee"/>
-        <a:font script="Yiii" typeface="Microsoft Yi Baiti"/>
-        <a:font script="Tibt" typeface="Microsoft Himalaya"/>
-        <a:font script="Thaa" typeface="MV Boli"/>
-        <a:font script="Deva" typeface="Mangal"/>
-        <a:font script="Telu" typeface="Gautami"/>
-        <a:font script="Taml" typeface="Latha"/>
-        <a:font script="Syrc" typeface="Estrangelo Edessa"/>
-        <a:font script="Orya" typeface="Kalinga"/>
-        <a:font script="Mlym" typeface="Kartika"/>
-        <a:font script="Laoo" typeface="DokChampa"/>
-        <a:font script="Sinh" typeface="Iskoola Pota"/>
-        <a:font script="Mong" typeface="Mongolian Baiti"/>
-        <a:font script="Viet" typeface="Times New Roman"/>
-        <a:font script="Uigh" typeface="Microsoft Uighur"/>
-        <a:font script="Geor" typeface="Sylfaen"/>
-      </a:majorFont>
-      <a:minorFont>
-        <a:latin typeface="Arial"/>
-        <a:ea typeface=""/>
-        <a:cs typeface=""/>
-        <a:font script="Jpan" typeface="ＭＳ Ｐゴシック"/>
-        <a:font script="Hang" typeface="맑은 고딕"/>
-        <a:font script="Hans" typeface="宋体"/>
-        <a:font script="Hant" typeface="新細明體"/>
-        <a:font script="Arab" typeface="Arial"/>
-        <a:font script="Hebr" typeface="Arial"/>
-        <a:font script="Thai" typeface="Cordia New"/>
-        <a:font script="Ethi" typeface="Nyala"/>
-        <a:font script="Beng" typeface="Vrinda"/>
-        <a:font script="Gujr" typeface="Shruti"/>
-        <a:font script="Khmr" typeface="DaunPenh"/>
-        <a:font script="Knda" typeface="Tunga"/>
-        <a:font script="Guru" typeface="Raavi"/>
-        <a:font script="Cans" typeface="Euphemia"/>
-        <a:font script="Cher" typeface="Plantagenet Cherokee"/>
-        <a:font script="Yiii" typeface="Microsoft Yi Baiti"/>
-        <a:font script="Tibt" typeface="Microsoft Himalaya"/>
-        <a:font script="Thaa" typeface="MV Boli"/>
-        <a:font script="Deva" typeface="Mangal"/>
-        <a:font script="Telu" typeface="Gautami"/>
-        <a:font script="Taml" typeface="Latha"/>
-        <a:font script="Syrc" typeface="Estrangelo Edessa"/>
-        <a:font script="Orya" typeface="Kalinga"/>
-        <a:font script="Mlym" typeface="Kartika"/>
-        <a:font script="Laoo" typeface="DokChampa"/>
-        <a:font script="Sinh" typeface="Iskoola Pota"/>
-        <a:font script="Mong" typeface="Mongolian Baiti"/>
-        <a:font script="Viet" typeface="Arial"/>
-        <a:font script="Uigh" typeface="Microsoft Uighur"/>
-        <a:font script="Geor" typeface="Sylfaen"/>
-      </a:minorFont>
-    </a:fontScheme>
-    <a:fmtScheme name="Office">
-      <a:fillStyleLst>
-        <a:solidFill>
-          <a:schemeClr val="phClr"/>
-        </a:solidFill>
-        <a:gradFill rotWithShape="1">
-          <a:gsLst>
-            <a:gs pos="0">
-              <a:schemeClr val="phClr">
-                <a:tint val="50000"/>
-                <a:satMod val="300000"/>
-              </a:schemeClr>
-            </a:gs>
-            <a:gs pos="35000">
-              <a:schemeClr val="phClr">
-                <a:tint val="37000"/>
-                <a:satMod val="300000"/>
-              </a:schemeClr>
-            </a:gs>
-            <a:gs pos="100000">
-              <a:schemeClr val="phClr">
-                <a:tint val="15000"/>
-                <a:satMod val="350000"/>
-              </a:schemeClr>
-            </a:gs>
-          </a:gsLst>
-          <a:lin ang="16200000" scaled="1"/>
-        </a:gradFill>
-        <a:gradFill rotWithShape="1">
-          <a:gsLst>
-            <a:gs pos="0">
-              <a:schemeClr val="phClr">
-                <a:tint val="100000"/>
-                <a:shade val="100000"/>
-                <a:satMod val="130000"/>
-              </a:schemeClr>
-            </a:gs>
-            <a:gs pos="100000">
-              <a:schemeClr val="phClr">
-                <a:tint val="50000"/>
-                <a:shade val="100000"/>
-                <a:satMod val="350000"/>
-              </a:schemeClr>
-            </a:gs>
-          </a:gsLst>
-          <a:lin ang="16200000" scaled="0"/>
-        </a:gradFill>
-      </a:fillStyleLst>
-      <a:lnStyleLst>
-        <a:ln w="9525" cap="flat" cmpd="sng" algn="ctr">
-          <a:solidFill>
-            <a:schemeClr val="phClr">
-              <a:shade val="95000"/>
-              <a:satMod val="105000"/>
-            </a:schemeClr>
-          </a:solidFill>
-          <a:prstDash val="solid"/>
-        </a:ln>
-        <a:ln w="25400" cap="flat" cmpd="sng" algn="ctr">
-          <a:solidFill>
-            <a:schemeClr val="phClr"/>
-          </a:solidFill>
-          <a:prstDash val="solid"/>
-        </a:ln>
-        <a:ln w="38100" cap="flat" cmpd="sng" algn="ctr">
-          <a:solidFill>
-            <a:schemeClr val="phClr"/>
-          </a:solidFill>
-          <a:prstDash val="solid"/>
-        </a:ln>
-      </a:lnStyleLst>
-      <a:effectStyleLst>
-        <a:effectStyle>
-          <a:effectLst>
-            <a:outerShdw blurRad="40000" dist="20000" dir="5400000" rotWithShape="0">
-              <a:srgbClr val="000000">
-                <a:alpha val="38000"/>
-              </a:srgbClr>
-            </a:outerShdw>
-          </a:effectLst>
-        </a:effectStyle>
-        <a:effectStyle>
-          <a:effectLst>
-            <a:outerShdw blurRad="40000" dist="23000" dir="5400000" rotWithShape="0">
-              <a:srgbClr val="000000">
-                <a:alpha val="35000"/>
-              </a:srgbClr>
-            </a:outerShdw>
-          </a:effectLst>
-        </a:effectStyle>
-        <a:effectStyle>
-          <a:effectLst>
-            <a:outerShdw blurRad="40000" dist="23000" dir="5400000" rotWithShape="0">
-              <a:srgbClr val="000000">
-                <a:alpha val="35000"/>
-              </a:srgbClr>
-            </a:outerShdw>
-          </a:effectLst>
-          <a:scene3d>
-            <a:camera prst="orthographicFront">
-              <a:rot lat="0" lon="0" rev="0"/>
-            </a:camera>
-            <a:lightRig rig="threePt" dir="t">
-              <a:rot lat="0" lon="0" rev="1200000"/>
-            </a:lightRig>
-          </a:scene3d>
-          <a:sp3d>
-            <a:bevelT w="63500" h="25400"/>
-          </a:sp3d>
-        </a:effectStyle>
-      </a:effectStyleLst>
-      <a:bgFillStyleLst>
-        <a:solidFill>
-          <a:schemeClr val="phClr"/>
-        </a:solidFill>
-        <a:gradFill rotWithShape="1">
-          <a:gsLst>
-            <a:gs pos="0">
-              <a:schemeClr val="phClr">
-                <a:tint val="40000"/>
-                <a:satMod val="350000"/>
-              </a:schemeClr>
-            </a:gs>
-            <a:gs pos="40000">
-              <a:schemeClr val="phClr">
-                <a:tint val="45000"/>
-                <a:shade val="99000"/>
-                <a:satMod val="350000"/>
-              </a:schemeClr>
-            </a:gs>
-            <a:gs pos="100000">
-              <a:schemeClr val="phClr">
-                <a:shade val="20000"/>
-                <a:satMod val="255000"/>
-              </a:schemeClr>
-            </a:gs>
-          </a:gsLst>
-          <a:path path="circle">
-            <a:fillToRect l="50000" t="-80000" r="50000" b="180000"/>
-          </a:path>
-        </a:gradFill>
-        <a:gradFill rotWithShape="1">
-          <a:gsLst>
-            <a:gs pos="0">
-              <a:schemeClr val="phClr">
-                <a:tint val="80000"/>
-                <a:satMod val="300000"/>
-              </a:schemeClr>
-            </a:gs>
-            <a:gs pos="100000">
-              <a:schemeClr val="phClr">
-                <a:shade val="30000"/>
-                <a:satMod val="200000"/>
-              </a:schemeClr>
-            </a:gs>
-          </a:gsLst>
-          <a:path path="circle">
-            <a:fillToRect l="50000" t="50000" r="50000" b="50000"/>
-          </a:path>
-        </a:gradFill>
-      </a:bgFillStyleLst>
-    </a:fmtScheme>
-  </a:themeElements>
-</a:theme>
 </file>